--- a/Powerpoint du projet taskflow.pptx
+++ b/Powerpoint du projet taskflow.pptx
@@ -213,7 +213,7 @@
           <a:p>
             <a:fld id="{4A645D65-A921-BD45-A74E-FDD6A94C7828}" type="datetimeFigureOut">
               <a:rPr lang="en-US" smtClean="0"/>
-              <a:t>10/19/2025</a:t>
+              <a:t>10/20/2025</a:t>
             </a:fld>
             <a:endParaRPr lang="en-US"/>
           </a:p>
@@ -564,6 +564,486 @@
 </p:notes>
 </file>
 
+<file path=ppt/notesSlides/notesSlide10.xml><?xml version="1.0" encoding="utf-8"?>
+<p:notes xmlns:a="http://schemas.openxmlformats.org/drawingml/2006/main" xmlns:r="http://schemas.openxmlformats.org/officeDocument/2006/relationships" xmlns:p="http://schemas.openxmlformats.org/presentationml/2006/main">
+  <p:cSld>
+    <p:spTree>
+      <p:nvGrpSpPr>
+        <p:cNvPr id="1" name=""/>
+        <p:cNvGrpSpPr/>
+        <p:nvPr/>
+      </p:nvGrpSpPr>
+      <p:grpSpPr>
+        <a:xfrm>
+          <a:off x="0" y="0"/>
+          <a:ext cx="0" cy="0"/>
+          <a:chOff x="0" y="0"/>
+          <a:chExt cx="0" cy="0"/>
+        </a:xfrm>
+      </p:grpSpPr>
+      <p:sp>
+        <p:nvSpPr>
+          <p:cNvPr id="2" name="Espace réservé de l'image des diapositives 1"/>
+          <p:cNvSpPr>
+            <a:spLocks noGrp="1" noRot="1" noChangeAspect="1"/>
+          </p:cNvSpPr>
+          <p:nvPr>
+            <p:ph type="sldImg"/>
+          </p:nvPr>
+        </p:nvSpPr>
+        <p:spPr/>
+      </p:sp>
+      <p:sp>
+        <p:nvSpPr>
+          <p:cNvPr id="3" name="Espace réservé des notes 2"/>
+          <p:cNvSpPr>
+            <a:spLocks noGrp="1"/>
+          </p:cNvSpPr>
+          <p:nvPr>
+            <p:ph type="body" idx="1"/>
+          </p:nvPr>
+        </p:nvSpPr>
+        <p:spPr/>
+        <p:txBody>
+          <a:bodyPr/>
+          <a:lstStyle/>
+          <a:p>
+            <a:pPr marL="0" marR="0" lvl="0" indent="0" algn="l" defTabSz="914400" rtl="0" eaLnBrk="1" fontAlgn="auto" latinLnBrk="0" hangingPunct="1">
+              <a:lnSpc>
+                <a:spcPct val="100000"/>
+              </a:lnSpc>
+              <a:spcBef>
+                <a:spcPts val="0"/>
+              </a:spcBef>
+              <a:spcAft>
+                <a:spcPts val="0"/>
+              </a:spcAft>
+              <a:buClrTx/>
+              <a:buSzTx/>
+              <a:buFontTx/>
+              <a:buNone/>
+              <a:tabLst/>
+              <a:defRPr/>
+            </a:pPr>
+            <a:r>
+              <a:rPr kumimoji="0" lang="fr-FR" altLang="fr-FR" sz="2800" b="0" i="0" u="none" strike="noStrike" cap="none" normalizeH="0" baseline="0" dirty="0">
+                <a:ln>
+                  <a:noFill/>
+                </a:ln>
+                <a:solidFill>
+                  <a:schemeClr val="tx1"/>
+                </a:solidFill>
+                <a:effectLst/>
+                <a:latin typeface="Arial" panose="020B0604020202020204" pitchFamily="34" charset="0"/>
+              </a:rPr>
+              <a:t>1 - </a:t>
+            </a:r>
+            <a:r>
+              <a:rPr lang="fr-FR" sz="1200" b="0" i="0" dirty="0">
+                <a:solidFill>
+                  <a:srgbClr val="44546A"/>
+                </a:solidFill>
+                <a:effectLst/>
+              </a:rPr>
+              <a:t>Pour garantir une réactivité optimale, il a été privilégié un chargement asynchrone, le </a:t>
+            </a:r>
+            <a:r>
+              <a:rPr lang="fr-FR" sz="1200" b="0" i="0" dirty="0" err="1">
+                <a:solidFill>
+                  <a:srgbClr val="44546A"/>
+                </a:solidFill>
+                <a:effectLst/>
+              </a:rPr>
+              <a:t>caching</a:t>
+            </a:r>
+            <a:r>
+              <a:rPr lang="fr-FR" sz="1200" b="0" i="0" dirty="0">
+                <a:solidFill>
+                  <a:srgbClr val="44546A"/>
+                </a:solidFill>
+                <a:effectLst/>
+              </a:rPr>
+              <a:t>, et la gestion efficace des bases de données, même avec un nombre élevé d’utilisateurs et de tâches.</a:t>
+            </a:r>
+          </a:p>
+          <a:p>
+            <a:endParaRPr lang="fr-FR" dirty="0"/>
+          </a:p>
+          <a:p>
+            <a:r>
+              <a:rPr lang="fr-FR" dirty="0"/>
+              <a:t>2 - </a:t>
+            </a:r>
+            <a:r>
+              <a:rPr kumimoji="0" lang="fr-FR" sz="1600" b="0" i="0" u="none" strike="noStrike" kern="1200" cap="none" spc="0" normalizeH="0" baseline="0" noProof="0" dirty="0">
+                <a:ln>
+                  <a:noFill/>
+                </a:ln>
+                <a:solidFill>
+                  <a:srgbClr val="44546A"/>
+                </a:solidFill>
+                <a:effectLst/>
+                <a:uLnTx/>
+                <a:uFillTx/>
+                <a:latin typeface="Oswald"/>
+                <a:ea typeface="+mn-ea"/>
+              </a:rPr>
+              <a:t>Un système robuste de gestion des exceptions, des tests unitaires, et une surveillance continue assurent une haute disponibilité et une réduction significative des bugs ou défaillances. </a:t>
+            </a:r>
+            <a:endParaRPr lang="fr-FR" dirty="0"/>
+          </a:p>
+        </p:txBody>
+      </p:sp>
+      <p:sp>
+        <p:nvSpPr>
+          <p:cNvPr id="4" name="Espace réservé du numéro de diapositive 3"/>
+          <p:cNvSpPr>
+            <a:spLocks noGrp="1"/>
+          </p:cNvSpPr>
+          <p:nvPr>
+            <p:ph type="sldNum" sz="quarter" idx="5"/>
+          </p:nvPr>
+        </p:nvSpPr>
+        <p:spPr/>
+        <p:txBody>
+          <a:bodyPr/>
+          <a:lstStyle/>
+          <a:p>
+            <a:fld id="{1BDA7C62-858D-9C4B-9AE8-88FCCBB43389}" type="slidenum">
+              <a:rPr lang="en-US" smtClean="0"/>
+              <a:t>15</a:t>
+            </a:fld>
+            <a:endParaRPr lang="en-US"/>
+          </a:p>
+        </p:txBody>
+      </p:sp>
+    </p:spTree>
+    <p:extLst>
+      <p:ext uri="{BB962C8B-B14F-4D97-AF65-F5344CB8AC3E}">
+        <p14:creationId xmlns:p14="http://schemas.microsoft.com/office/powerpoint/2010/main" val="199039425"/>
+      </p:ext>
+    </p:extLst>
+  </p:cSld>
+  <p:clrMapOvr>
+    <a:masterClrMapping/>
+  </p:clrMapOvr>
+</p:notes>
+</file>
+
+<file path=ppt/notesSlides/notesSlide11.xml><?xml version="1.0" encoding="utf-8"?>
+<p:notes xmlns:a="http://schemas.openxmlformats.org/drawingml/2006/main" xmlns:r="http://schemas.openxmlformats.org/officeDocument/2006/relationships" xmlns:p="http://schemas.openxmlformats.org/presentationml/2006/main">
+  <p:cSld>
+    <p:spTree>
+      <p:nvGrpSpPr>
+        <p:cNvPr id="1" name=""/>
+        <p:cNvGrpSpPr/>
+        <p:nvPr/>
+      </p:nvGrpSpPr>
+      <p:grpSpPr>
+        <a:xfrm>
+          <a:off x="0" y="0"/>
+          <a:ext cx="0" cy="0"/>
+          <a:chOff x="0" y="0"/>
+          <a:chExt cx="0" cy="0"/>
+        </a:xfrm>
+      </p:grpSpPr>
+      <p:sp>
+        <p:nvSpPr>
+          <p:cNvPr id="2" name="Espace réservé de l'image des diapositives 1"/>
+          <p:cNvSpPr>
+            <a:spLocks noGrp="1" noRot="1" noChangeAspect="1"/>
+          </p:cNvSpPr>
+          <p:nvPr>
+            <p:ph type="sldImg"/>
+          </p:nvPr>
+        </p:nvSpPr>
+        <p:spPr/>
+      </p:sp>
+      <p:sp>
+        <p:nvSpPr>
+          <p:cNvPr id="3" name="Espace réservé des notes 2"/>
+          <p:cNvSpPr>
+            <a:spLocks noGrp="1"/>
+          </p:cNvSpPr>
+          <p:nvPr>
+            <p:ph type="body" idx="1"/>
+          </p:nvPr>
+        </p:nvSpPr>
+        <p:spPr/>
+        <p:txBody>
+          <a:bodyPr/>
+          <a:lstStyle/>
+          <a:p>
+            <a:pPr marL="0" marR="0" lvl="0" indent="0" algn="l" defTabSz="914400" rtl="0" eaLnBrk="1" fontAlgn="auto" latinLnBrk="0" hangingPunct="1">
+              <a:lnSpc>
+                <a:spcPct val="100000"/>
+              </a:lnSpc>
+              <a:spcBef>
+                <a:spcPts val="0"/>
+              </a:spcBef>
+              <a:spcAft>
+                <a:spcPts val="0"/>
+              </a:spcAft>
+              <a:buClrTx/>
+              <a:buSzTx/>
+              <a:buFontTx/>
+              <a:buNone/>
+              <a:tabLst/>
+              <a:defRPr/>
+            </a:pPr>
+            <a:r>
+              <a:rPr lang="fr-FR" dirty="0"/>
+              <a:t>1 - </a:t>
+            </a:r>
+            <a:r>
+              <a:rPr lang="fr-FR" sz="1200" b="0" i="0" dirty="0">
+                <a:solidFill>
+                  <a:srgbClr val="44546A"/>
+                </a:solidFill>
+                <a:effectLst/>
+              </a:rPr>
+              <a:t>C’est une conception de plateforme complète intégrant la gestion des tâches, la collaboration en temps réel, la sécurité avancée, et une interface intuitive, adaptée aux besoins des équipes modernes.</a:t>
+            </a:r>
+          </a:p>
+          <a:p>
+            <a:endParaRPr lang="fr-FR" dirty="0"/>
+          </a:p>
+          <a:p>
+            <a:r>
+              <a:rPr lang="fr-FR" dirty="0"/>
+              <a:t>2 - </a:t>
+            </a:r>
+            <a:r>
+              <a:rPr kumimoji="0" lang="fr-FR" sz="1600" b="0" i="0" u="none" strike="noStrike" kern="1200" cap="none" spc="0" normalizeH="0" baseline="0" noProof="0" dirty="0">
+                <a:ln>
+                  <a:noFill/>
+                </a:ln>
+                <a:solidFill>
+                  <a:srgbClr val="44546A"/>
+                </a:solidFill>
+                <a:effectLst/>
+                <a:uLnTx/>
+                <a:uFillTx/>
+                <a:latin typeface="Oswald"/>
+                <a:ea typeface="+mn-ea"/>
+              </a:rPr>
+              <a:t>Cette plateforme offre la possibilité d’intégrer des fonctionnalités d’analyse avancée, l’export des rapports, ou encore l’intégration avec d’autres outils de gestion pour renforcer encore la productivité et la coopération</a:t>
+            </a:r>
+          </a:p>
+          <a:p>
+            <a:endParaRPr kumimoji="0" lang="fr-FR" sz="1600" b="0" i="0" u="none" strike="noStrike" kern="1200" cap="none" spc="0" normalizeH="0" baseline="0" noProof="0" dirty="0">
+              <a:ln>
+                <a:noFill/>
+              </a:ln>
+              <a:solidFill>
+                <a:srgbClr val="44546A"/>
+              </a:solidFill>
+              <a:effectLst/>
+              <a:uLnTx/>
+              <a:uFillTx/>
+              <a:latin typeface="Oswald"/>
+              <a:ea typeface="+mn-ea"/>
+            </a:endParaRPr>
+          </a:p>
+          <a:p>
+            <a:pPr marL="0" marR="0" lvl="0" indent="0" algn="l" defTabSz="914400" rtl="0" eaLnBrk="1" fontAlgn="auto" latinLnBrk="0" hangingPunct="1">
+              <a:lnSpc>
+                <a:spcPct val="100000"/>
+              </a:lnSpc>
+              <a:spcBef>
+                <a:spcPts val="1000"/>
+              </a:spcBef>
+              <a:spcAft>
+                <a:spcPts val="0"/>
+              </a:spcAft>
+              <a:buClrTx/>
+              <a:buSzTx/>
+              <a:buFont typeface="Arial" panose="020B0604020202020204" pitchFamily="34" charset="0"/>
+              <a:buNone/>
+              <a:tabLst/>
+              <a:defRPr/>
+            </a:pPr>
+            <a:r>
+              <a:rPr kumimoji="0" lang="fr-FR" sz="1600" b="0" i="0" u="none" strike="noStrike" kern="1200" cap="none" spc="0" normalizeH="0" baseline="0" noProof="0" dirty="0">
+                <a:ln>
+                  <a:noFill/>
+                </a:ln>
+                <a:solidFill>
+                  <a:srgbClr val="44546A"/>
+                </a:solidFill>
+                <a:effectLst/>
+                <a:uLnTx/>
+                <a:uFillTx/>
+                <a:latin typeface="Oswald"/>
+                <a:ea typeface="+mn-ea"/>
+              </a:rPr>
+              <a:t>3 - Ce gestionnaire de tâches collaboratif peut transformer la façon dont les équipes travaillent, en rendant la gestion plus transparente, efficace, et réactive, et en favorisant une culture de collaboration proactive et structurée. </a:t>
+            </a:r>
+            <a:br>
+              <a:rPr kumimoji="0" lang="fr-FR" sz="1600" b="0" i="0" u="none" strike="noStrike" kern="1200" cap="none" spc="0" normalizeH="0" baseline="0" noProof="0" dirty="0">
+                <a:ln>
+                  <a:noFill/>
+                </a:ln>
+                <a:solidFill>
+                  <a:srgbClr val="44546A"/>
+                </a:solidFill>
+                <a:effectLst/>
+                <a:uLnTx/>
+                <a:uFillTx/>
+                <a:latin typeface="Oswald"/>
+                <a:ea typeface="+mn-ea"/>
+              </a:rPr>
+            </a:br>
+            <a:endParaRPr kumimoji="0" lang="en-US" sz="1600" b="0" i="0" u="none" strike="noStrike" kern="1200" cap="none" spc="0" normalizeH="0" baseline="0" noProof="0" dirty="0">
+              <a:ln>
+                <a:noFill/>
+              </a:ln>
+              <a:solidFill>
+                <a:srgbClr val="44546A"/>
+              </a:solidFill>
+              <a:effectLst/>
+              <a:uLnTx/>
+              <a:uFillTx/>
+              <a:latin typeface="Oswald"/>
+              <a:ea typeface="+mn-ea"/>
+            </a:endParaRPr>
+          </a:p>
+          <a:p>
+            <a:endParaRPr lang="fr-FR" dirty="0"/>
+          </a:p>
+        </p:txBody>
+      </p:sp>
+      <p:sp>
+        <p:nvSpPr>
+          <p:cNvPr id="4" name="Espace réservé du numéro de diapositive 3"/>
+          <p:cNvSpPr>
+            <a:spLocks noGrp="1"/>
+          </p:cNvSpPr>
+          <p:nvPr>
+            <p:ph type="sldNum" sz="quarter" idx="5"/>
+          </p:nvPr>
+        </p:nvSpPr>
+        <p:spPr/>
+        <p:txBody>
+          <a:bodyPr/>
+          <a:lstStyle/>
+          <a:p>
+            <a:fld id="{1BDA7C62-858D-9C4B-9AE8-88FCCBB43389}" type="slidenum">
+              <a:rPr lang="en-US" smtClean="0"/>
+              <a:t>16</a:t>
+            </a:fld>
+            <a:endParaRPr lang="en-US"/>
+          </a:p>
+        </p:txBody>
+      </p:sp>
+    </p:spTree>
+    <p:extLst>
+      <p:ext uri="{BB962C8B-B14F-4D97-AF65-F5344CB8AC3E}">
+        <p14:creationId xmlns:p14="http://schemas.microsoft.com/office/powerpoint/2010/main" val="1721223776"/>
+      </p:ext>
+    </p:extLst>
+  </p:cSld>
+  <p:clrMapOvr>
+    <a:masterClrMapping/>
+  </p:clrMapOvr>
+</p:notes>
+</file>
+
+<file path=ppt/notesSlides/notesSlide12.xml><?xml version="1.0" encoding="utf-8"?>
+<p:notes xmlns:a="http://schemas.openxmlformats.org/drawingml/2006/main" xmlns:r="http://schemas.openxmlformats.org/officeDocument/2006/relationships" xmlns:p="http://schemas.openxmlformats.org/presentationml/2006/main">
+  <p:cSld>
+    <p:spTree>
+      <p:nvGrpSpPr>
+        <p:cNvPr id="1" name=""/>
+        <p:cNvGrpSpPr/>
+        <p:nvPr/>
+      </p:nvGrpSpPr>
+      <p:grpSpPr>
+        <a:xfrm>
+          <a:off x="0" y="0"/>
+          <a:ext cx="0" cy="0"/>
+          <a:chOff x="0" y="0"/>
+          <a:chExt cx="0" cy="0"/>
+        </a:xfrm>
+      </p:grpSpPr>
+      <p:sp>
+        <p:nvSpPr>
+          <p:cNvPr id="2" name="Espace réservé de l'image des diapositives 1"/>
+          <p:cNvSpPr>
+            <a:spLocks noGrp="1" noRot="1" noChangeAspect="1"/>
+          </p:cNvSpPr>
+          <p:nvPr>
+            <p:ph type="sldImg"/>
+          </p:nvPr>
+        </p:nvSpPr>
+        <p:spPr/>
+      </p:sp>
+      <p:sp>
+        <p:nvSpPr>
+          <p:cNvPr id="3" name="Espace réservé des notes 2"/>
+          <p:cNvSpPr>
+            <a:spLocks noGrp="1"/>
+          </p:cNvSpPr>
+          <p:nvPr>
+            <p:ph type="body" idx="1"/>
+          </p:nvPr>
+        </p:nvSpPr>
+        <p:spPr/>
+        <p:txBody>
+          <a:bodyPr/>
+          <a:lstStyle/>
+          <a:p>
+            <a:r>
+              <a:rPr lang="fr-FR" dirty="0"/>
+              <a:t>Ne pas oublier de remercier Claude, Chat GPT, Gemini Pro, </a:t>
+            </a:r>
+            <a:r>
+              <a:rPr lang="fr-FR" dirty="0" err="1"/>
+              <a:t>Grok</a:t>
+            </a:r>
+            <a:r>
+              <a:rPr lang="fr-FR" dirty="0"/>
+              <a:t> sans qui rien aurait été possible !</a:t>
+            </a:r>
+          </a:p>
+        </p:txBody>
+      </p:sp>
+      <p:sp>
+        <p:nvSpPr>
+          <p:cNvPr id="4" name="Espace réservé du numéro de diapositive 3"/>
+          <p:cNvSpPr>
+            <a:spLocks noGrp="1"/>
+          </p:cNvSpPr>
+          <p:nvPr>
+            <p:ph type="sldNum" sz="quarter" idx="5"/>
+          </p:nvPr>
+        </p:nvSpPr>
+        <p:spPr/>
+        <p:txBody>
+          <a:bodyPr/>
+          <a:lstStyle/>
+          <a:p>
+            <a:fld id="{1BDA7C62-858D-9C4B-9AE8-88FCCBB43389}" type="slidenum">
+              <a:rPr lang="en-US" smtClean="0"/>
+              <a:t>17</a:t>
+            </a:fld>
+            <a:endParaRPr lang="en-US"/>
+          </a:p>
+        </p:txBody>
+      </p:sp>
+    </p:spTree>
+    <p:extLst>
+      <p:ext uri="{BB962C8B-B14F-4D97-AF65-F5344CB8AC3E}">
+        <p14:creationId xmlns:p14="http://schemas.microsoft.com/office/powerpoint/2010/main" val="3966536281"/>
+      </p:ext>
+    </p:extLst>
+  </p:cSld>
+  <p:clrMapOvr>
+    <a:masterClrMapping/>
+  </p:clrMapOvr>
+</p:notes>
+</file>
+
 <file path=ppt/notesSlides/notesSlide2.xml><?xml version="1.0" encoding="utf-8"?>
 <p:notes xmlns:a="http://schemas.openxmlformats.org/drawingml/2006/main" xmlns:r="http://schemas.openxmlformats.org/officeDocument/2006/relationships" xmlns:p="http://schemas.openxmlformats.org/presentationml/2006/main">
   <p:cSld>
@@ -609,56 +1089,33 @@
           <a:lstStyle/>
           <a:p>
             <a:r>
-              <a:rPr kumimoji="0" lang="fr-FR" altLang="fr-FR" sz="2800" b="0" i="0" u="none" strike="noStrike" cap="none" normalizeH="0" baseline="0" dirty="0">
-                <a:ln>
-                  <a:noFill/>
-                </a:ln>
-                <a:solidFill>
-                  <a:schemeClr val="tx1"/>
-                </a:solidFill>
-                <a:effectLst/>
-                <a:latin typeface="Arial" panose="020B0604020202020204" pitchFamily="34" charset="0"/>
-              </a:rPr>
-              <a:t>Dans </a:t>
-            </a:r>
-            <a:r>
-              <a:rPr kumimoji="0" lang="fr-FR" altLang="fr-FR" sz="1200" b="0" i="0" u="none" strike="noStrike" cap="none" normalizeH="0" baseline="0" dirty="0" err="1">
-                <a:ln>
-                  <a:noFill/>
-                </a:ln>
-                <a:solidFill>
-                  <a:schemeClr val="tx1"/>
-                </a:solidFill>
-                <a:effectLst/>
-                <a:latin typeface="Arial Unicode MS"/>
-              </a:rPr>
-              <a:t>AuthController</a:t>
-            </a:r>
-            <a:r>
-              <a:rPr kumimoji="0" lang="fr-FR" altLang="fr-FR" sz="1200" b="0" i="0" u="none" strike="noStrike" cap="none" normalizeH="0" baseline="0" dirty="0">
-                <a:ln>
-                  <a:noFill/>
-                </a:ln>
-                <a:solidFill>
-                  <a:schemeClr val="tx1"/>
-                </a:solidFill>
-                <a:effectLst/>
-                <a:latin typeface="Arial Unicode MS"/>
-              </a:rPr>
-              <a:t>::login()</a:t>
-            </a:r>
-            <a:r>
-              <a:rPr kumimoji="0" lang="fr-FR" altLang="fr-FR" sz="1050" b="0" i="0" u="none" strike="noStrike" cap="none" normalizeH="0" baseline="0" dirty="0">
-                <a:ln>
-                  <a:noFill/>
-                </a:ln>
-                <a:solidFill>
-                  <a:schemeClr val="tx1"/>
-                </a:solidFill>
-                <a:effectLst/>
-              </a:rPr>
-              <a:t> </a:t>
-            </a:r>
+              <a:rPr lang="fr-FR" dirty="0"/>
+              <a:t>1 - La gestion de tâches collaboratif désigne un système ou une plateforme permettant à plusieurs utilisateurs de planifier, suivre, et réaliser des tâches en équipe. Elle facilite la coordination, la communication et le partage d’informations pour assurer la réussite collective d’un projet.</a:t>
+            </a:r>
+          </a:p>
+          <a:p>
+            <a:endParaRPr lang="fr-FR" dirty="0"/>
+          </a:p>
+          <a:p>
+            <a:r>
+              <a:rPr lang="fr-FR" dirty="0"/>
+              <a:t>2 - Dans un contexte professionnel, cette gestion favorise la transparence, la responsabilisation des membres, et une meilleure organisation. Elle permet également d’optimiser le temps, de réduire les erreurs, et d’assurer la conformité aux délais et aux objectifs fixés.</a:t>
+            </a:r>
+          </a:p>
+          <a:p>
+            <a:endParaRPr lang="fr-FR" dirty="0"/>
+          </a:p>
+          <a:p>
+            <a:r>
+              <a:rPr lang="fr-FR" dirty="0"/>
+              <a:t>3 - L’objectif principal de l’application Symfony est de fournir une plateforme intuitive, sécurisée et évolutive permettant à des équipes multi-utilisateurs de gérer efficacement leurs tâches. Elle vise à renforcer la collaboration, assurer une gestion transparente, et offrir des outils pour suivre l’avancement en temps réel. </a:t>
+            </a:r>
+            <a:br>
+              <a:rPr lang="fr-FR" dirty="0"/>
+            </a:br>
+            <a:endParaRPr lang="fr-FR" dirty="0"/>
+          </a:p>
+          <a:p>
             <a:endParaRPr lang="fr-FR" dirty="0"/>
           </a:p>
         </p:txBody>
@@ -680,7 +1137,7 @@
           <a:p>
             <a:fld id="{1BDA7C62-858D-9C4B-9AE8-88FCCBB43389}" type="slidenum">
               <a:rPr lang="en-US" smtClean="0"/>
-              <a:t>15</a:t>
+              <a:t>3</a:t>
             </a:fld>
             <a:endParaRPr lang="en-US"/>
           </a:p>
@@ -689,7 +1146,7 @@
     </p:spTree>
     <p:extLst>
       <p:ext uri="{BB962C8B-B14F-4D97-AF65-F5344CB8AC3E}">
-        <p14:creationId xmlns:p14="http://schemas.microsoft.com/office/powerpoint/2010/main" val="199039425"/>
+        <p14:creationId xmlns:p14="http://schemas.microsoft.com/office/powerpoint/2010/main" val="329595091"/>
       </p:ext>
     </p:extLst>
   </p:cSld>
@@ -743,18 +1200,111 @@
           <a:bodyPr/>
           <a:lstStyle/>
           <a:p>
+            <a:pPr marL="0" marR="0" lvl="0" indent="0" algn="l" defTabSz="914400" rtl="0" eaLnBrk="1" fontAlgn="auto" latinLnBrk="0" hangingPunct="1">
+              <a:lnSpc>
+                <a:spcPct val="100000"/>
+              </a:lnSpc>
+              <a:spcBef>
+                <a:spcPts val="1000"/>
+              </a:spcBef>
+              <a:spcAft>
+                <a:spcPts val="0"/>
+              </a:spcAft>
+              <a:buClrTx/>
+              <a:buSzTx/>
+              <a:buFont typeface="Arial" panose="020B0604020202020204" pitchFamily="34" charset="0"/>
+              <a:buNone/>
+              <a:tabLst/>
+              <a:defRPr/>
+            </a:pPr>
             <a:r>
               <a:rPr lang="fr-FR" dirty="0"/>
-              <a:t>Ne pas oublier de remercier Claude, Chat GPT, Gemini Pro, </a:t>
-            </a:r>
-            <a:r>
-              <a:rPr lang="fr-FR" dirty="0" err="1"/>
-              <a:t>Grok</a:t>
-            </a:r>
+              <a:t>1 - </a:t>
+            </a:r>
+            <a:r>
+              <a:rPr kumimoji="0" lang="fr-FR" sz="1600" b="0" i="0" u="none" strike="noStrike" kern="1200" cap="none" spc="0" normalizeH="0" baseline="0" noProof="0" dirty="0">
+                <a:ln>
+                  <a:noFill/>
+                </a:ln>
+                <a:solidFill>
+                  <a:srgbClr val="44546A"/>
+                </a:solidFill>
+                <a:effectLst/>
+                <a:uLnTx/>
+                <a:uFillTx/>
+                <a:latin typeface="Oswald"/>
+                <a:ea typeface="+mn-ea"/>
+              </a:rPr>
+              <a:t>De nombreuses entreprises rencontrent des difficultés à coordonner efficacement leurs équipes, à suivre l’état d’avancement des tâches ou à garantir une communication fluide. La fragmentation des outils, le manque d’intégration, et l’absence de visibilité en temps réel compliquent la collaboration.</a:t>
+            </a:r>
+          </a:p>
+          <a:p>
+            <a:endParaRPr lang="fr-FR" dirty="0"/>
+          </a:p>
+          <a:p>
+            <a:pPr marL="0" marR="0" lvl="0" indent="0" algn="l" defTabSz="914400" rtl="0" eaLnBrk="1" fontAlgn="auto" latinLnBrk="0" hangingPunct="1">
+              <a:lnSpc>
+                <a:spcPct val="100000"/>
+              </a:lnSpc>
+              <a:spcBef>
+                <a:spcPts val="1000"/>
+              </a:spcBef>
+              <a:spcAft>
+                <a:spcPts val="0"/>
+              </a:spcAft>
+              <a:buClrTx/>
+              <a:buSzTx/>
+              <a:buFont typeface="Arial" panose="020B0604020202020204" pitchFamily="34" charset="0"/>
+              <a:buNone/>
+              <a:tabLst/>
+              <a:defRPr/>
+            </a:pPr>
             <a:r>
               <a:rPr lang="fr-FR" dirty="0"/>
-              <a:t> sans qui rien aurait été possible !</a:t>
-            </a:r>
+              <a:t>2 - </a:t>
+            </a:r>
+            <a:r>
+              <a:rPr kumimoji="0" lang="fr-FR" sz="1600" b="0" i="0" u="none" strike="noStrike" kern="1200" cap="none" spc="0" normalizeH="0" baseline="0" noProof="0" dirty="0">
+                <a:ln>
+                  <a:noFill/>
+                </a:ln>
+                <a:solidFill>
+                  <a:srgbClr val="44546A"/>
+                </a:solidFill>
+                <a:effectLst/>
+                <a:uLnTx/>
+                <a:uFillTx/>
+                <a:latin typeface="Oswald"/>
+                <a:ea typeface="+mn-ea"/>
+              </a:rPr>
+              <a:t>Les utilisateurs attendent une plateforme centralisée, accessible à tout moment, avec des fonctionnalités de gestion avancée, la possibilité de collaborer en temps réel, et des niveaux de permissions adaptés à leur rôle. La sécurité et la facilité d’utilisation restent également prioritaires.</a:t>
+            </a:r>
+          </a:p>
+          <a:p>
+            <a:endParaRPr lang="fr-FR" dirty="0"/>
+          </a:p>
+          <a:p>
+            <a:r>
+              <a:rPr lang="fr-FR" dirty="0"/>
+              <a:t>3 - </a:t>
+            </a:r>
+            <a:r>
+              <a:rPr kumimoji="0" lang="fr-FR" sz="1600" b="0" i="0" u="none" strike="noStrike" kern="1200" cap="none" spc="0" normalizeH="0" baseline="0" noProof="0" dirty="0">
+                <a:ln>
+                  <a:noFill/>
+                </a:ln>
+                <a:solidFill>
+                  <a:srgbClr val="44546A"/>
+                </a:solidFill>
+                <a:effectLst/>
+                <a:uLnTx/>
+                <a:uFillTx/>
+                <a:latin typeface="Oswald"/>
+                <a:ea typeface="+mn-ea"/>
+              </a:rPr>
+              <a:t>Faciliter la communication, garantir la traçabilité des actions, et permettre une gestion flexible des responsabilités sont essentiels pour permettre aux équipes de travailler de façon harmonieuse. Une solution performante doit aussi s’adapter aux évolutions rapides des projets et des équipes. </a:t>
+            </a:r>
+            <a:endParaRPr lang="fr-FR" dirty="0"/>
           </a:p>
         </p:txBody>
       </p:sp>
@@ -775,7 +1325,7 @@
           <a:p>
             <a:fld id="{1BDA7C62-858D-9C4B-9AE8-88FCCBB43389}" type="slidenum">
               <a:rPr lang="en-US" smtClean="0"/>
-              <a:t>17</a:t>
+              <a:t>4</a:t>
             </a:fld>
             <a:endParaRPr lang="en-US"/>
           </a:p>
@@ -784,7 +1334,1194 @@
     </p:spTree>
     <p:extLst>
       <p:ext uri="{BB962C8B-B14F-4D97-AF65-F5344CB8AC3E}">
-        <p14:creationId xmlns:p14="http://schemas.microsoft.com/office/powerpoint/2010/main" val="3966536281"/>
+        <p14:creationId xmlns:p14="http://schemas.microsoft.com/office/powerpoint/2010/main" val="45928738"/>
+      </p:ext>
+    </p:extLst>
+  </p:cSld>
+  <p:clrMapOvr>
+    <a:masterClrMapping/>
+  </p:clrMapOvr>
+</p:notes>
+</file>
+
+<file path=ppt/notesSlides/notesSlide4.xml><?xml version="1.0" encoding="utf-8"?>
+<p:notes xmlns:a="http://schemas.openxmlformats.org/drawingml/2006/main" xmlns:r="http://schemas.openxmlformats.org/officeDocument/2006/relationships" xmlns:p="http://schemas.openxmlformats.org/presentationml/2006/main">
+  <p:cSld>
+    <p:spTree>
+      <p:nvGrpSpPr>
+        <p:cNvPr id="1" name=""/>
+        <p:cNvGrpSpPr/>
+        <p:nvPr/>
+      </p:nvGrpSpPr>
+      <p:grpSpPr>
+        <a:xfrm>
+          <a:off x="0" y="0"/>
+          <a:ext cx="0" cy="0"/>
+          <a:chOff x="0" y="0"/>
+          <a:chExt cx="0" cy="0"/>
+        </a:xfrm>
+      </p:grpSpPr>
+      <p:sp>
+        <p:nvSpPr>
+          <p:cNvPr id="2" name="Espace réservé de l'image des diapositives 1"/>
+          <p:cNvSpPr>
+            <a:spLocks noGrp="1" noRot="1" noChangeAspect="1"/>
+          </p:cNvSpPr>
+          <p:nvPr>
+            <p:ph type="sldImg"/>
+          </p:nvPr>
+        </p:nvSpPr>
+        <p:spPr/>
+      </p:sp>
+      <p:sp>
+        <p:nvSpPr>
+          <p:cNvPr id="3" name="Espace réservé des notes 2"/>
+          <p:cNvSpPr>
+            <a:spLocks noGrp="1"/>
+          </p:cNvSpPr>
+          <p:nvPr>
+            <p:ph type="body" idx="1"/>
+          </p:nvPr>
+        </p:nvSpPr>
+        <p:spPr/>
+        <p:txBody>
+          <a:bodyPr/>
+          <a:lstStyle/>
+          <a:p>
+            <a:pPr marL="0" marR="0" lvl="0" indent="0" algn="l" defTabSz="914400" rtl="0" eaLnBrk="1" fontAlgn="auto" latinLnBrk="0" hangingPunct="1">
+              <a:lnSpc>
+                <a:spcPct val="100000"/>
+              </a:lnSpc>
+              <a:spcBef>
+                <a:spcPts val="1000"/>
+              </a:spcBef>
+              <a:spcAft>
+                <a:spcPts val="0"/>
+              </a:spcAft>
+              <a:buClrTx/>
+              <a:buSzTx/>
+              <a:buFont typeface="Arial" panose="020B0604020202020204" pitchFamily="34" charset="0"/>
+              <a:buNone/>
+              <a:tabLst/>
+              <a:defRPr/>
+            </a:pPr>
+            <a:r>
+              <a:rPr lang="fr-FR" dirty="0"/>
+              <a:t>1 - </a:t>
+            </a:r>
+            <a:r>
+              <a:rPr kumimoji="0" lang="fr-FR" sz="1600" b="0" i="0" u="none" strike="noStrike" kern="1200" cap="none" spc="0" normalizeH="0" baseline="0" noProof="0" dirty="0">
+                <a:ln>
+                  <a:noFill/>
+                </a:ln>
+                <a:solidFill>
+                  <a:srgbClr val="44546A"/>
+                </a:solidFill>
+                <a:effectLst/>
+                <a:uLnTx/>
+                <a:uFillTx/>
+                <a:latin typeface="Oswald"/>
+                <a:ea typeface="+mn-ea"/>
+              </a:rPr>
+              <a:t>L’application repose sur le </a:t>
+            </a:r>
+            <a:r>
+              <a:rPr kumimoji="0" lang="fr-FR" sz="1600" b="0" i="0" u="none" strike="noStrike" kern="1200" cap="none" spc="0" normalizeH="0" baseline="0" noProof="0" dirty="0" err="1">
+                <a:ln>
+                  <a:noFill/>
+                </a:ln>
+                <a:solidFill>
+                  <a:srgbClr val="44546A"/>
+                </a:solidFill>
+                <a:effectLst/>
+                <a:uLnTx/>
+                <a:uFillTx/>
+                <a:latin typeface="Oswald"/>
+                <a:ea typeface="+mn-ea"/>
+              </a:rPr>
+              <a:t>framework</a:t>
+            </a:r>
+            <a:r>
+              <a:rPr kumimoji="0" lang="fr-FR" sz="1600" b="0" i="0" u="none" strike="noStrike" kern="1200" cap="none" spc="0" normalizeH="0" baseline="0" noProof="0" dirty="0">
+                <a:ln>
+                  <a:noFill/>
+                </a:ln>
+                <a:solidFill>
+                  <a:srgbClr val="44546A"/>
+                </a:solidFill>
+                <a:effectLst/>
+                <a:uLnTx/>
+                <a:uFillTx/>
+                <a:latin typeface="Oswald"/>
+                <a:ea typeface="+mn-ea"/>
+              </a:rPr>
+              <a:t> Symfony, qui offre une base solide et modulable pour développer une architecture structurée et maintenable. Symfony facilite la gestion des routes, des contrôleurs, et des services pour une logique métier claire et cohérente.</a:t>
+            </a:r>
+          </a:p>
+          <a:p>
+            <a:endParaRPr lang="fr-FR" dirty="0"/>
+          </a:p>
+          <a:p>
+            <a:pPr marL="0" marR="0" lvl="0" indent="0" algn="l" defTabSz="914400" rtl="0" eaLnBrk="1" fontAlgn="auto" latinLnBrk="0" hangingPunct="1">
+              <a:lnSpc>
+                <a:spcPct val="100000"/>
+              </a:lnSpc>
+              <a:spcBef>
+                <a:spcPts val="1000"/>
+              </a:spcBef>
+              <a:spcAft>
+                <a:spcPts val="0"/>
+              </a:spcAft>
+              <a:buClrTx/>
+              <a:buSzTx/>
+              <a:buFont typeface="Arial" panose="020B0604020202020204" pitchFamily="34" charset="0"/>
+              <a:buNone/>
+              <a:tabLst/>
+              <a:defRPr/>
+            </a:pPr>
+            <a:r>
+              <a:rPr lang="fr-FR" dirty="0"/>
+              <a:t>2 - </a:t>
+            </a:r>
+            <a:r>
+              <a:rPr kumimoji="0" lang="fr-FR" sz="1600" b="0" i="0" u="none" strike="noStrike" kern="1200" cap="none" spc="0" normalizeH="0" baseline="0" noProof="0" dirty="0">
+                <a:ln>
+                  <a:noFill/>
+                </a:ln>
+                <a:solidFill>
+                  <a:srgbClr val="44546A"/>
+                </a:solidFill>
+                <a:effectLst/>
+                <a:uLnTx/>
+                <a:uFillTx/>
+                <a:latin typeface="Oswald"/>
+                <a:ea typeface="+mn-ea"/>
+              </a:rPr>
+              <a:t>Le système intègre un modèle d’authentification robuste, avec des rôles et permissions différenciés, permettant de contrôler finement l’accès aux différentes fonctionnalités et données selon le profil de chaque utilisateur.</a:t>
+            </a:r>
+          </a:p>
+          <a:p>
+            <a:endParaRPr lang="fr-FR" dirty="0"/>
+          </a:p>
+          <a:p>
+            <a:r>
+              <a:rPr lang="fr-FR" dirty="0"/>
+              <a:t>3 - </a:t>
+            </a:r>
+            <a:r>
+              <a:rPr kumimoji="0" lang="fr-FR" sz="1600" b="0" i="0" u="none" strike="noStrike" kern="1200" cap="none" spc="0" normalizeH="0" baseline="0" noProof="0" dirty="0">
+                <a:ln>
+                  <a:noFill/>
+                </a:ln>
+                <a:solidFill>
+                  <a:srgbClr val="44546A"/>
+                </a:solidFill>
+                <a:effectLst/>
+                <a:uLnTx/>
+                <a:uFillTx/>
+                <a:latin typeface="Oswald"/>
+                <a:ea typeface="+mn-ea"/>
+              </a:rPr>
+              <a:t>L’application exploite une base de données relationnelle, telle que MySQL, pour stocker de façon sécurisée tous les élément liés aux utilisateurs, tâches, projets et droits. La conception de la base favorise l’intégrité, la rapidité d’accès, et la flexibilité.</a:t>
+            </a:r>
+            <a:endParaRPr lang="fr-FR" dirty="0"/>
+          </a:p>
+        </p:txBody>
+      </p:sp>
+      <p:sp>
+        <p:nvSpPr>
+          <p:cNvPr id="4" name="Espace réservé du numéro de diapositive 3"/>
+          <p:cNvSpPr>
+            <a:spLocks noGrp="1"/>
+          </p:cNvSpPr>
+          <p:nvPr>
+            <p:ph type="sldNum" sz="quarter" idx="5"/>
+          </p:nvPr>
+        </p:nvSpPr>
+        <p:spPr/>
+        <p:txBody>
+          <a:bodyPr/>
+          <a:lstStyle/>
+          <a:p>
+            <a:fld id="{1BDA7C62-858D-9C4B-9AE8-88FCCBB43389}" type="slidenum">
+              <a:rPr lang="en-US" smtClean="0"/>
+              <a:t>5</a:t>
+            </a:fld>
+            <a:endParaRPr lang="en-US"/>
+          </a:p>
+        </p:txBody>
+      </p:sp>
+    </p:spTree>
+    <p:extLst>
+      <p:ext uri="{BB962C8B-B14F-4D97-AF65-F5344CB8AC3E}">
+        <p14:creationId xmlns:p14="http://schemas.microsoft.com/office/powerpoint/2010/main" val="2788720608"/>
+      </p:ext>
+    </p:extLst>
+  </p:cSld>
+  <p:clrMapOvr>
+    <a:masterClrMapping/>
+  </p:clrMapOvr>
+</p:notes>
+</file>
+
+<file path=ppt/notesSlides/notesSlide5.xml><?xml version="1.0" encoding="utf-8"?>
+<p:notes xmlns:a="http://schemas.openxmlformats.org/drawingml/2006/main" xmlns:r="http://schemas.openxmlformats.org/officeDocument/2006/relationships" xmlns:p="http://schemas.openxmlformats.org/presentationml/2006/main">
+  <p:cSld>
+    <p:spTree>
+      <p:nvGrpSpPr>
+        <p:cNvPr id="1" name=""/>
+        <p:cNvGrpSpPr/>
+        <p:nvPr/>
+      </p:nvGrpSpPr>
+      <p:grpSpPr>
+        <a:xfrm>
+          <a:off x="0" y="0"/>
+          <a:ext cx="0" cy="0"/>
+          <a:chOff x="0" y="0"/>
+          <a:chExt cx="0" cy="0"/>
+        </a:xfrm>
+      </p:grpSpPr>
+      <p:sp>
+        <p:nvSpPr>
+          <p:cNvPr id="2" name="Espace réservé de l'image des diapositives 1"/>
+          <p:cNvSpPr>
+            <a:spLocks noGrp="1" noRot="1" noChangeAspect="1"/>
+          </p:cNvSpPr>
+          <p:nvPr>
+            <p:ph type="sldImg"/>
+          </p:nvPr>
+        </p:nvSpPr>
+        <p:spPr/>
+      </p:sp>
+      <p:sp>
+        <p:nvSpPr>
+          <p:cNvPr id="3" name="Espace réservé des notes 2"/>
+          <p:cNvSpPr>
+            <a:spLocks noGrp="1"/>
+          </p:cNvSpPr>
+          <p:nvPr>
+            <p:ph type="body" idx="1"/>
+          </p:nvPr>
+        </p:nvSpPr>
+        <p:spPr/>
+        <p:txBody>
+          <a:bodyPr/>
+          <a:lstStyle/>
+          <a:p>
+            <a:pPr marL="0" marR="0" lvl="0" indent="0" algn="l" defTabSz="914400" rtl="0" eaLnBrk="1" fontAlgn="auto" latinLnBrk="0" hangingPunct="1">
+              <a:lnSpc>
+                <a:spcPct val="100000"/>
+              </a:lnSpc>
+              <a:spcBef>
+                <a:spcPts val="0"/>
+              </a:spcBef>
+              <a:spcAft>
+                <a:spcPts val="0"/>
+              </a:spcAft>
+              <a:buClrTx/>
+              <a:buSzTx/>
+              <a:buFontTx/>
+              <a:buNone/>
+              <a:tabLst/>
+              <a:defRPr/>
+            </a:pPr>
+            <a:r>
+              <a:rPr lang="fr-FR" dirty="0"/>
+              <a:t>1 - </a:t>
+            </a:r>
+            <a:r>
+              <a:rPr lang="fr-FR" sz="1200" b="0" i="0" dirty="0">
+                <a:solidFill>
+                  <a:srgbClr val="44546A"/>
+                </a:solidFill>
+                <a:effectLst/>
+              </a:rPr>
+              <a:t>Le modèle de données repose sur trois entités fondamentales : l’utilisateur, qui représente chaque membre de l’équipe ; la tâche, qui détaille les actions à réaliser ; et le projet, pour organiser les tâches en regroupements logiques et stratégiques.</a:t>
+            </a:r>
+          </a:p>
+          <a:p>
+            <a:endParaRPr lang="fr-FR" dirty="0"/>
+          </a:p>
+          <a:p>
+            <a:r>
+              <a:rPr lang="fr-FR" dirty="0"/>
+              <a:t>2 - </a:t>
+            </a:r>
+            <a:r>
+              <a:rPr kumimoji="0" lang="fr-FR" sz="1600" b="0" i="0" u="none" strike="noStrike" kern="1200" cap="none" spc="0" normalizeH="0" baseline="0" noProof="0" dirty="0">
+                <a:ln>
+                  <a:noFill/>
+                </a:ln>
+                <a:solidFill>
+                  <a:srgbClr val="44546A"/>
+                </a:solidFill>
+                <a:effectLst/>
+                <a:uLnTx/>
+                <a:uFillTx/>
+                <a:latin typeface="Oswald"/>
+                <a:ea typeface="+mn-ea"/>
+              </a:rPr>
+              <a:t>Les utilisateurs peuvent appartenir à plusieurs projets et se voir attribuer plusieurs tâches. Chaque tâche est liée à un seul projet, mais peut être assignée à un ou plusieurs utilisateurs. Ces relations assurent une gestion souple et cohérente des responsabilités</a:t>
+            </a:r>
+          </a:p>
+          <a:p>
+            <a:endParaRPr kumimoji="0" lang="fr-FR" sz="1600" b="0" i="0" u="none" strike="noStrike" kern="1200" cap="none" spc="0" normalizeH="0" baseline="0" noProof="0" dirty="0">
+              <a:ln>
+                <a:noFill/>
+              </a:ln>
+              <a:solidFill>
+                <a:srgbClr val="44546A"/>
+              </a:solidFill>
+              <a:effectLst/>
+              <a:uLnTx/>
+              <a:uFillTx/>
+              <a:latin typeface="Oswald"/>
+              <a:ea typeface="+mn-ea"/>
+            </a:endParaRPr>
+          </a:p>
+          <a:p>
+            <a:pPr marL="0" marR="0" lvl="0" indent="0" algn="l" defTabSz="914400" rtl="0" eaLnBrk="1" fontAlgn="auto" latinLnBrk="0" hangingPunct="1">
+              <a:lnSpc>
+                <a:spcPct val="100000"/>
+              </a:lnSpc>
+              <a:spcBef>
+                <a:spcPts val="0"/>
+              </a:spcBef>
+              <a:spcAft>
+                <a:spcPts val="0"/>
+              </a:spcAft>
+              <a:buClrTx/>
+              <a:buSzTx/>
+              <a:buFontTx/>
+              <a:buNone/>
+              <a:tabLst/>
+              <a:defRPr/>
+            </a:pPr>
+            <a:r>
+              <a:rPr kumimoji="0" lang="fr-FR" sz="1600" b="0" i="0" u="none" strike="noStrike" kern="1200" cap="none" spc="0" normalizeH="0" baseline="0" noProof="0" dirty="0">
+                <a:ln>
+                  <a:noFill/>
+                </a:ln>
+                <a:solidFill>
+                  <a:srgbClr val="44546A"/>
+                </a:solidFill>
+                <a:effectLst/>
+                <a:uLnTx/>
+                <a:uFillTx/>
+                <a:latin typeface="Oswald"/>
+                <a:ea typeface="+mn-ea"/>
+              </a:rPr>
+              <a:t>3 - </a:t>
+            </a:r>
+            <a:r>
+              <a:rPr lang="fr-FR" sz="1200" b="0" i="0" dirty="0">
+                <a:solidFill>
+                  <a:srgbClr val="44546A"/>
+                </a:solidFill>
+                <a:effectLst/>
+              </a:rPr>
+              <a:t>Le système incorpore des mécanismes avancés pour gérer la sécurité, notamment via des contrôles d’accès basés sur les rôles (RBAC), garantissant que chaque utilisateur ne puisse accéder qu’aux données et fonctionnalités correspondant à son niveau de droits.</a:t>
+            </a:r>
+            <a:r>
+              <a:rPr lang="fr-FR" sz="1200" dirty="0"/>
+              <a:t> </a:t>
+            </a:r>
+            <a:br>
+              <a:rPr lang="fr-FR" sz="1200" dirty="0"/>
+            </a:br>
+            <a:endParaRPr lang="en-US" sz="1200" dirty="0"/>
+          </a:p>
+          <a:p>
+            <a:endParaRPr lang="fr-FR" dirty="0"/>
+          </a:p>
+        </p:txBody>
+      </p:sp>
+      <p:sp>
+        <p:nvSpPr>
+          <p:cNvPr id="4" name="Espace réservé du numéro de diapositive 3"/>
+          <p:cNvSpPr>
+            <a:spLocks noGrp="1"/>
+          </p:cNvSpPr>
+          <p:nvPr>
+            <p:ph type="sldNum" sz="quarter" idx="5"/>
+          </p:nvPr>
+        </p:nvSpPr>
+        <p:spPr/>
+        <p:txBody>
+          <a:bodyPr/>
+          <a:lstStyle/>
+          <a:p>
+            <a:fld id="{1BDA7C62-858D-9C4B-9AE8-88FCCBB43389}" type="slidenum">
+              <a:rPr lang="en-US" smtClean="0"/>
+              <a:t>6</a:t>
+            </a:fld>
+            <a:endParaRPr lang="en-US"/>
+          </a:p>
+        </p:txBody>
+      </p:sp>
+    </p:spTree>
+    <p:extLst>
+      <p:ext uri="{BB962C8B-B14F-4D97-AF65-F5344CB8AC3E}">
+        <p14:creationId xmlns:p14="http://schemas.microsoft.com/office/powerpoint/2010/main" val="2914299309"/>
+      </p:ext>
+    </p:extLst>
+  </p:cSld>
+  <p:clrMapOvr>
+    <a:masterClrMapping/>
+  </p:clrMapOvr>
+</p:notes>
+</file>
+
+<file path=ppt/notesSlides/notesSlide6.xml><?xml version="1.0" encoding="utf-8"?>
+<p:notes xmlns:a="http://schemas.openxmlformats.org/drawingml/2006/main" xmlns:r="http://schemas.openxmlformats.org/officeDocument/2006/relationships" xmlns:p="http://schemas.openxmlformats.org/presentationml/2006/main">
+  <p:cSld>
+    <p:spTree>
+      <p:nvGrpSpPr>
+        <p:cNvPr id="1" name=""/>
+        <p:cNvGrpSpPr/>
+        <p:nvPr/>
+      </p:nvGrpSpPr>
+      <p:grpSpPr>
+        <a:xfrm>
+          <a:off x="0" y="0"/>
+          <a:ext cx="0" cy="0"/>
+          <a:chOff x="0" y="0"/>
+          <a:chExt cx="0" cy="0"/>
+        </a:xfrm>
+      </p:grpSpPr>
+      <p:sp>
+        <p:nvSpPr>
+          <p:cNvPr id="2" name="Espace réservé de l'image des diapositives 1"/>
+          <p:cNvSpPr>
+            <a:spLocks noGrp="1" noRot="1" noChangeAspect="1"/>
+          </p:cNvSpPr>
+          <p:nvPr>
+            <p:ph type="sldImg"/>
+          </p:nvPr>
+        </p:nvSpPr>
+        <p:spPr/>
+      </p:sp>
+      <p:sp>
+        <p:nvSpPr>
+          <p:cNvPr id="3" name="Espace réservé des notes 2"/>
+          <p:cNvSpPr>
+            <a:spLocks noGrp="1"/>
+          </p:cNvSpPr>
+          <p:nvPr>
+            <p:ph type="body" idx="1"/>
+          </p:nvPr>
+        </p:nvSpPr>
+        <p:spPr/>
+        <p:txBody>
+          <a:bodyPr/>
+          <a:lstStyle/>
+          <a:p>
+            <a:r>
+              <a:rPr lang="fr-FR" dirty="0"/>
+              <a:t>1 - </a:t>
+            </a:r>
+            <a:r>
+              <a:rPr kumimoji="0" lang="fr-FR" sz="1600" b="0" i="0" u="none" strike="noStrike" kern="1200" cap="none" spc="0" normalizeH="0" baseline="0" noProof="0" dirty="0">
+                <a:ln>
+                  <a:noFill/>
+                </a:ln>
+                <a:solidFill>
+                  <a:srgbClr val="44546A"/>
+                </a:solidFill>
+                <a:effectLst/>
+                <a:uLnTx/>
+                <a:uFillTx/>
+                <a:latin typeface="Oswald"/>
+                <a:ea typeface="+mn-ea"/>
+              </a:rPr>
+              <a:t>Les utilisateurs peuvent facilement créer de nouvelles tâches, leur attribuer des détails précis, fixer des échéances, et suivre leur progression. La gestion permet aussi de modifier ou supprimer des tâches si nécessaire.</a:t>
+            </a:r>
+          </a:p>
+          <a:p>
+            <a:endParaRPr kumimoji="0" lang="fr-FR" sz="1600" b="0" i="0" u="none" strike="noStrike" kern="1200" cap="none" spc="0" normalizeH="0" baseline="0" noProof="0" dirty="0">
+              <a:ln>
+                <a:noFill/>
+              </a:ln>
+              <a:solidFill>
+                <a:srgbClr val="44546A"/>
+              </a:solidFill>
+              <a:effectLst/>
+              <a:uLnTx/>
+              <a:uFillTx/>
+              <a:latin typeface="Oswald"/>
+              <a:ea typeface="+mn-ea"/>
+            </a:endParaRPr>
+          </a:p>
+          <a:p>
+            <a:r>
+              <a:rPr kumimoji="0" lang="fr-FR" sz="1600" b="0" i="0" u="none" strike="noStrike" kern="1200" cap="none" spc="0" normalizeH="0" baseline="0" noProof="0" dirty="0">
+                <a:ln>
+                  <a:noFill/>
+                </a:ln>
+                <a:solidFill>
+                  <a:srgbClr val="44546A"/>
+                </a:solidFill>
+                <a:effectLst/>
+                <a:uLnTx/>
+                <a:uFillTx/>
+                <a:latin typeface="Oswald"/>
+                <a:ea typeface="+mn-ea"/>
+              </a:rPr>
+              <a:t>2 - L’application permet d’assigner chaque tâche à un ou plusieurs utilisateurs, favorisant une distribution claire des responsabilités. Des notifications automatiques notifient les membres concernés des nouvelles attributions ou des modifications</a:t>
+            </a:r>
+          </a:p>
+          <a:p>
+            <a:endParaRPr kumimoji="0" lang="fr-FR" sz="1600" b="0" i="0" u="none" strike="noStrike" kern="1200" cap="none" spc="0" normalizeH="0" baseline="0" noProof="0" dirty="0">
+              <a:ln>
+                <a:noFill/>
+              </a:ln>
+              <a:solidFill>
+                <a:srgbClr val="44546A"/>
+              </a:solidFill>
+              <a:effectLst/>
+              <a:uLnTx/>
+              <a:uFillTx/>
+              <a:latin typeface="Oswald"/>
+              <a:ea typeface="+mn-ea"/>
+            </a:endParaRPr>
+          </a:p>
+          <a:p>
+            <a:r>
+              <a:rPr kumimoji="0" lang="fr-FR" sz="1600" b="0" i="0" u="none" strike="noStrike" kern="1200" cap="none" spc="0" normalizeH="0" baseline="0" noProof="0" dirty="0">
+                <a:ln>
+                  <a:noFill/>
+                </a:ln>
+                <a:solidFill>
+                  <a:srgbClr val="44546A"/>
+                </a:solidFill>
+                <a:effectLst/>
+                <a:uLnTx/>
+                <a:uFillTx/>
+                <a:latin typeface="Oswald"/>
+                <a:ea typeface="+mn-ea"/>
+              </a:rPr>
+              <a:t>3 - Pour assurer une organisation efficace, chaque tâche peut se voir attribuer une date limite ainsi qu’une priorité, facilitant la planification et la différenciation des actions selon leur urgence ou importance. </a:t>
+            </a:r>
+            <a:endParaRPr lang="fr-FR" dirty="0"/>
+          </a:p>
+        </p:txBody>
+      </p:sp>
+      <p:sp>
+        <p:nvSpPr>
+          <p:cNvPr id="4" name="Espace réservé du numéro de diapositive 3"/>
+          <p:cNvSpPr>
+            <a:spLocks noGrp="1"/>
+          </p:cNvSpPr>
+          <p:nvPr>
+            <p:ph type="sldNum" sz="quarter" idx="5"/>
+          </p:nvPr>
+        </p:nvSpPr>
+        <p:spPr/>
+        <p:txBody>
+          <a:bodyPr/>
+          <a:lstStyle/>
+          <a:p>
+            <a:fld id="{1BDA7C62-858D-9C4B-9AE8-88FCCBB43389}" type="slidenum">
+              <a:rPr lang="en-US" smtClean="0"/>
+              <a:t>7</a:t>
+            </a:fld>
+            <a:endParaRPr lang="en-US"/>
+          </a:p>
+        </p:txBody>
+      </p:sp>
+    </p:spTree>
+    <p:extLst>
+      <p:ext uri="{BB962C8B-B14F-4D97-AF65-F5344CB8AC3E}">
+        <p14:creationId xmlns:p14="http://schemas.microsoft.com/office/powerpoint/2010/main" val="3616938391"/>
+      </p:ext>
+    </p:extLst>
+  </p:cSld>
+  <p:clrMapOvr>
+    <a:masterClrMapping/>
+  </p:clrMapOvr>
+</p:notes>
+</file>
+
+<file path=ppt/notesSlides/notesSlide7.xml><?xml version="1.0" encoding="utf-8"?>
+<p:notes xmlns:a="http://schemas.openxmlformats.org/drawingml/2006/main" xmlns:r="http://schemas.openxmlformats.org/officeDocument/2006/relationships" xmlns:p="http://schemas.openxmlformats.org/presentationml/2006/main">
+  <p:cSld>
+    <p:spTree>
+      <p:nvGrpSpPr>
+        <p:cNvPr id="1" name=""/>
+        <p:cNvGrpSpPr/>
+        <p:nvPr/>
+      </p:nvGrpSpPr>
+      <p:grpSpPr>
+        <a:xfrm>
+          <a:off x="0" y="0"/>
+          <a:ext cx="0" cy="0"/>
+          <a:chOff x="0" y="0"/>
+          <a:chExt cx="0" cy="0"/>
+        </a:xfrm>
+      </p:grpSpPr>
+      <p:sp>
+        <p:nvSpPr>
+          <p:cNvPr id="2" name="Espace réservé de l'image des diapositives 1"/>
+          <p:cNvSpPr>
+            <a:spLocks noGrp="1" noRot="1" noChangeAspect="1"/>
+          </p:cNvSpPr>
+          <p:nvPr>
+            <p:ph type="sldImg"/>
+          </p:nvPr>
+        </p:nvSpPr>
+        <p:spPr/>
+      </p:sp>
+      <p:sp>
+        <p:nvSpPr>
+          <p:cNvPr id="3" name="Espace réservé des notes 2"/>
+          <p:cNvSpPr>
+            <a:spLocks noGrp="1"/>
+          </p:cNvSpPr>
+          <p:nvPr>
+            <p:ph type="body" idx="1"/>
+          </p:nvPr>
+        </p:nvSpPr>
+        <p:spPr/>
+        <p:txBody>
+          <a:bodyPr/>
+          <a:lstStyle/>
+          <a:p>
+            <a:pPr marL="0" marR="0" lvl="0" indent="0" algn="l" defTabSz="914400" rtl="0" eaLnBrk="1" fontAlgn="auto" latinLnBrk="0" hangingPunct="1">
+              <a:lnSpc>
+                <a:spcPct val="100000"/>
+              </a:lnSpc>
+              <a:spcBef>
+                <a:spcPts val="1000"/>
+              </a:spcBef>
+              <a:spcAft>
+                <a:spcPts val="0"/>
+              </a:spcAft>
+              <a:buClrTx/>
+              <a:buSzTx/>
+              <a:buFont typeface="Arial" panose="020B0604020202020204" pitchFamily="34" charset="0"/>
+              <a:buNone/>
+              <a:tabLst/>
+              <a:defRPr/>
+            </a:pPr>
+            <a:r>
+              <a:rPr lang="fr-FR" dirty="0"/>
+              <a:t>1 - </a:t>
+            </a:r>
+            <a:r>
+              <a:rPr kumimoji="0" lang="fr-FR" sz="1600" b="0" i="0" u="none" strike="noStrike" kern="1200" cap="none" spc="0" normalizeH="0" baseline="0" noProof="0" dirty="0">
+                <a:ln>
+                  <a:noFill/>
+                </a:ln>
+                <a:solidFill>
+                  <a:srgbClr val="44546A"/>
+                </a:solidFill>
+                <a:effectLst/>
+                <a:uLnTx/>
+                <a:uFillTx/>
+                <a:latin typeface="Oswald"/>
+                <a:ea typeface="+mn-ea"/>
+                <a:cs typeface="+mn-cs"/>
+              </a:rPr>
+              <a:t>L’interface offre une vue globale permettant aux utilisateurs de visualiser tous les projets en cours, d’accéder rapidement aux tâches associées, et de suivre l’état d’avancement global de chaque projet.</a:t>
+            </a:r>
+          </a:p>
+          <a:p>
+            <a:endParaRPr lang="fr-FR" dirty="0"/>
+          </a:p>
+          <a:p>
+            <a:pPr marL="0" marR="0" lvl="0" indent="0" algn="l" defTabSz="914400" rtl="0" eaLnBrk="1" fontAlgn="auto" latinLnBrk="0" hangingPunct="1">
+              <a:lnSpc>
+                <a:spcPct val="100000"/>
+              </a:lnSpc>
+              <a:spcBef>
+                <a:spcPts val="1000"/>
+              </a:spcBef>
+              <a:spcAft>
+                <a:spcPts val="0"/>
+              </a:spcAft>
+              <a:buClrTx/>
+              <a:buSzTx/>
+              <a:buFont typeface="Arial" panose="020B0604020202020204" pitchFamily="34" charset="0"/>
+              <a:buNone/>
+              <a:tabLst/>
+              <a:defRPr/>
+            </a:pPr>
+            <a:r>
+              <a:rPr lang="fr-FR" dirty="0"/>
+              <a:t>2 - </a:t>
+            </a:r>
+            <a:r>
+              <a:rPr kumimoji="0" lang="fr-FR" sz="1600" b="0" i="0" u="none" strike="noStrike" kern="1200" cap="none" spc="0" normalizeH="0" baseline="0" noProof="0" dirty="0">
+                <a:ln>
+                  <a:noFill/>
+                </a:ln>
+                <a:solidFill>
+                  <a:srgbClr val="44546A"/>
+                </a:solidFill>
+                <a:effectLst/>
+                <a:uLnTx/>
+                <a:uFillTx/>
+                <a:latin typeface="Oswald"/>
+                <a:ea typeface="+mn-ea"/>
+                <a:cs typeface="+mn-cs"/>
+              </a:rPr>
+              <a:t>Pour gagner en efficacité, l’application intègre des fonctionnalités avancées de filtrage et de recherche, permettant de retrouver rapidement une tâche spécifique selon plusieurs critères (priorité, statut).</a:t>
+            </a:r>
+          </a:p>
+          <a:p>
+            <a:endParaRPr lang="fr-FR" dirty="0"/>
+          </a:p>
+          <a:p>
+            <a:r>
+              <a:rPr lang="fr-FR" dirty="0"/>
+              <a:t>3 - </a:t>
+            </a:r>
+            <a:r>
+              <a:rPr kumimoji="0" lang="fr-FR" sz="1600" b="0" i="0" u="none" strike="noStrike" kern="1200" cap="none" spc="0" normalizeH="0" baseline="0" noProof="0" dirty="0">
+                <a:ln>
+                  <a:noFill/>
+                </a:ln>
+                <a:solidFill>
+                  <a:srgbClr val="44546A"/>
+                </a:solidFill>
+                <a:effectLst/>
+                <a:uLnTx/>
+                <a:uFillTx/>
+                <a:latin typeface="Oswald"/>
+                <a:ea typeface="+mn-ea"/>
+                <a:cs typeface="+mn-cs"/>
+              </a:rPr>
+              <a:t>Un système de notifications en temps réel informe les utilisateurs des changements importants, échéances proches ou nouvelles assignations, améliorant la réactivité et la collaboration. </a:t>
+            </a:r>
+            <a:endParaRPr lang="fr-FR" dirty="0"/>
+          </a:p>
+        </p:txBody>
+      </p:sp>
+      <p:sp>
+        <p:nvSpPr>
+          <p:cNvPr id="4" name="Espace réservé du numéro de diapositive 3"/>
+          <p:cNvSpPr>
+            <a:spLocks noGrp="1"/>
+          </p:cNvSpPr>
+          <p:nvPr>
+            <p:ph type="sldNum" sz="quarter" idx="5"/>
+          </p:nvPr>
+        </p:nvSpPr>
+        <p:spPr/>
+        <p:txBody>
+          <a:bodyPr/>
+          <a:lstStyle/>
+          <a:p>
+            <a:fld id="{1BDA7C62-858D-9C4B-9AE8-88FCCBB43389}" type="slidenum">
+              <a:rPr lang="en-US" smtClean="0"/>
+              <a:t>8</a:t>
+            </a:fld>
+            <a:endParaRPr lang="en-US"/>
+          </a:p>
+        </p:txBody>
+      </p:sp>
+    </p:spTree>
+    <p:extLst>
+      <p:ext uri="{BB962C8B-B14F-4D97-AF65-F5344CB8AC3E}">
+        <p14:creationId xmlns:p14="http://schemas.microsoft.com/office/powerpoint/2010/main" val="2071575503"/>
+      </p:ext>
+    </p:extLst>
+  </p:cSld>
+  <p:clrMapOvr>
+    <a:masterClrMapping/>
+  </p:clrMapOvr>
+</p:notes>
+</file>
+
+<file path=ppt/notesSlides/notesSlide8.xml><?xml version="1.0" encoding="utf-8"?>
+<p:notes xmlns:a="http://schemas.openxmlformats.org/drawingml/2006/main" xmlns:r="http://schemas.openxmlformats.org/officeDocument/2006/relationships" xmlns:p="http://schemas.openxmlformats.org/presentationml/2006/main">
+  <p:cSld>
+    <p:spTree>
+      <p:nvGrpSpPr>
+        <p:cNvPr id="1" name=""/>
+        <p:cNvGrpSpPr/>
+        <p:nvPr/>
+      </p:nvGrpSpPr>
+      <p:grpSpPr>
+        <a:xfrm>
+          <a:off x="0" y="0"/>
+          <a:ext cx="0" cy="0"/>
+          <a:chOff x="0" y="0"/>
+          <a:chExt cx="0" cy="0"/>
+        </a:xfrm>
+      </p:grpSpPr>
+      <p:sp>
+        <p:nvSpPr>
+          <p:cNvPr id="2" name="Espace réservé de l'image des diapositives 1"/>
+          <p:cNvSpPr>
+            <a:spLocks noGrp="1" noRot="1" noChangeAspect="1"/>
+          </p:cNvSpPr>
+          <p:nvPr>
+            <p:ph type="sldImg"/>
+          </p:nvPr>
+        </p:nvSpPr>
+        <p:spPr/>
+      </p:sp>
+      <p:sp>
+        <p:nvSpPr>
+          <p:cNvPr id="3" name="Espace réservé des notes 2"/>
+          <p:cNvSpPr>
+            <a:spLocks noGrp="1"/>
+          </p:cNvSpPr>
+          <p:nvPr>
+            <p:ph type="body" idx="1"/>
+          </p:nvPr>
+        </p:nvSpPr>
+        <p:spPr/>
+        <p:txBody>
+          <a:bodyPr/>
+          <a:lstStyle/>
+          <a:p>
+            <a:r>
+              <a:rPr kumimoji="0" lang="fr-FR" sz="1600" b="0" i="0" u="none" strike="noStrike" kern="1200" cap="none" spc="0" normalizeH="0" baseline="0" noProof="0" dirty="0">
+                <a:ln>
+                  <a:noFill/>
+                </a:ln>
+                <a:solidFill>
+                  <a:srgbClr val="44546A"/>
+                </a:solidFill>
+                <a:effectLst/>
+                <a:uLnTx/>
+                <a:uFillTx/>
+                <a:latin typeface="Oswald"/>
+                <a:ea typeface="+mn-ea"/>
+                <a:cs typeface="+mn-cs"/>
+              </a:rPr>
+              <a:t>1 - Grâce à une communication instantanée, chaque modification apportée à une tâche se reflète immédiatement pour tous les membres concernés, permettant un suivi précis et dynamique du projet</a:t>
+            </a:r>
+          </a:p>
+          <a:p>
+            <a:endParaRPr kumimoji="0" lang="fr-FR" sz="1600" b="0" i="0" u="none" strike="noStrike" kern="1200" cap="none" spc="0" normalizeH="0" baseline="0" noProof="0" dirty="0">
+              <a:ln>
+                <a:noFill/>
+              </a:ln>
+              <a:solidFill>
+                <a:srgbClr val="44546A"/>
+              </a:solidFill>
+              <a:effectLst/>
+              <a:uLnTx/>
+              <a:uFillTx/>
+              <a:latin typeface="Oswald"/>
+              <a:ea typeface="+mn-ea"/>
+              <a:cs typeface="+mn-cs"/>
+            </a:endParaRPr>
+          </a:p>
+          <a:p>
+            <a:r>
+              <a:rPr kumimoji="0" lang="fr-FR" sz="1600" b="0" i="0" u="none" strike="noStrike" kern="1200" cap="none" spc="0" normalizeH="0" baseline="0" noProof="0" dirty="0">
+                <a:ln>
+                  <a:noFill/>
+                </a:ln>
+                <a:solidFill>
+                  <a:srgbClr val="44546A"/>
+                </a:solidFill>
+                <a:effectLst/>
+                <a:uLnTx/>
+                <a:uFillTx/>
+                <a:latin typeface="Oswald"/>
+                <a:ea typeface="+mn-ea"/>
+                <a:cs typeface="+mn-cs"/>
+              </a:rPr>
+              <a:t>2 - </a:t>
+            </a:r>
+            <a:r>
+              <a:rPr lang="fr-FR" b="0" i="0" dirty="0">
+                <a:solidFill>
+                  <a:srgbClr val="44546A"/>
+                </a:solidFill>
+                <a:effectLst/>
+                <a:latin typeface="+mn-lt"/>
+              </a:rPr>
+              <a:t>Toutes les actions effectuées sur les tâches ou projets sont enregistrées dans un historique, offrant une traçabilité complète pour l’analyse ultérieure ou la résolution de conflits éventuels.</a:t>
+            </a:r>
+            <a:r>
+              <a:rPr lang="fr-FR" dirty="0">
+                <a:latin typeface="+mn-lt"/>
+              </a:rPr>
+              <a:t> </a:t>
+            </a:r>
+            <a:endParaRPr lang="fr-FR" dirty="0"/>
+          </a:p>
+        </p:txBody>
+      </p:sp>
+      <p:sp>
+        <p:nvSpPr>
+          <p:cNvPr id="4" name="Espace réservé du numéro de diapositive 3"/>
+          <p:cNvSpPr>
+            <a:spLocks noGrp="1"/>
+          </p:cNvSpPr>
+          <p:nvPr>
+            <p:ph type="sldNum" sz="quarter" idx="5"/>
+          </p:nvPr>
+        </p:nvSpPr>
+        <p:spPr/>
+        <p:txBody>
+          <a:bodyPr/>
+          <a:lstStyle/>
+          <a:p>
+            <a:fld id="{1BDA7C62-858D-9C4B-9AE8-88FCCBB43389}" type="slidenum">
+              <a:rPr lang="en-US" smtClean="0"/>
+              <a:t>10</a:t>
+            </a:fld>
+            <a:endParaRPr lang="en-US"/>
+          </a:p>
+        </p:txBody>
+      </p:sp>
+    </p:spTree>
+    <p:extLst>
+      <p:ext uri="{BB962C8B-B14F-4D97-AF65-F5344CB8AC3E}">
+        <p14:creationId xmlns:p14="http://schemas.microsoft.com/office/powerpoint/2010/main" val="2646272064"/>
+      </p:ext>
+    </p:extLst>
+  </p:cSld>
+  <p:clrMapOvr>
+    <a:masterClrMapping/>
+  </p:clrMapOvr>
+</p:notes>
+</file>
+
+<file path=ppt/notesSlides/notesSlide9.xml><?xml version="1.0" encoding="utf-8"?>
+<p:notes xmlns:a="http://schemas.openxmlformats.org/drawingml/2006/main" xmlns:r="http://schemas.openxmlformats.org/officeDocument/2006/relationships" xmlns:p="http://schemas.openxmlformats.org/presentationml/2006/main">
+  <p:cSld>
+    <p:spTree>
+      <p:nvGrpSpPr>
+        <p:cNvPr id="1" name=""/>
+        <p:cNvGrpSpPr/>
+        <p:nvPr/>
+      </p:nvGrpSpPr>
+      <p:grpSpPr>
+        <a:xfrm>
+          <a:off x="0" y="0"/>
+          <a:ext cx="0" cy="0"/>
+          <a:chOff x="0" y="0"/>
+          <a:chExt cx="0" cy="0"/>
+        </a:xfrm>
+      </p:grpSpPr>
+      <p:sp>
+        <p:nvSpPr>
+          <p:cNvPr id="2" name="Espace réservé de l'image des diapositives 1"/>
+          <p:cNvSpPr>
+            <a:spLocks noGrp="1" noRot="1" noChangeAspect="1"/>
+          </p:cNvSpPr>
+          <p:nvPr>
+            <p:ph type="sldImg"/>
+          </p:nvPr>
+        </p:nvSpPr>
+        <p:spPr/>
+      </p:sp>
+      <p:sp>
+        <p:nvSpPr>
+          <p:cNvPr id="3" name="Espace réservé des notes 2"/>
+          <p:cNvSpPr>
+            <a:spLocks noGrp="1"/>
+          </p:cNvSpPr>
+          <p:nvPr>
+            <p:ph type="body" idx="1"/>
+          </p:nvPr>
+        </p:nvSpPr>
+        <p:spPr/>
+        <p:txBody>
+          <a:bodyPr/>
+          <a:lstStyle/>
+          <a:p>
+            <a:r>
+              <a:rPr lang="fr-FR" b="0" i="0" dirty="0">
+                <a:solidFill>
+                  <a:srgbClr val="44546A"/>
+                </a:solidFill>
+                <a:effectLst/>
+                <a:latin typeface="+mn-lt"/>
+              </a:rPr>
+              <a:t>1-Le système utilise des méthodes d’authentification sécurisées telles que </a:t>
+            </a:r>
+            <a:r>
+              <a:rPr lang="fr-FR" dirty="0" err="1"/>
+              <a:t>Hashage</a:t>
+            </a:r>
+            <a:r>
+              <a:rPr lang="fr-FR" dirty="0"/>
+              <a:t> moderne des mots de passe (</a:t>
+            </a:r>
+            <a:r>
+              <a:rPr lang="fr-FR" b="0" i="0" dirty="0" err="1">
+                <a:solidFill>
+                  <a:srgbClr val="44546A"/>
+                </a:solidFill>
+                <a:effectLst/>
+                <a:latin typeface="+mn-lt"/>
+              </a:rPr>
+              <a:t>Bcrypt</a:t>
+            </a:r>
+            <a:r>
+              <a:rPr lang="fr-FR" b="0" i="0" dirty="0">
+                <a:solidFill>
+                  <a:srgbClr val="44546A"/>
+                </a:solidFill>
+                <a:effectLst/>
+                <a:latin typeface="+mn-lt"/>
+              </a:rPr>
+              <a:t>), </a:t>
+            </a:r>
+            <a:r>
+              <a:rPr lang="fr-FR" dirty="0"/>
+              <a:t>Protection CSRF avec </a:t>
+            </a:r>
+            <a:r>
+              <a:rPr lang="fr-FR" dirty="0" err="1"/>
+              <a:t>token</a:t>
+            </a:r>
+            <a:r>
+              <a:rPr lang="fr-FR" dirty="0"/>
+              <a:t>, vérification d'email, </a:t>
+            </a:r>
+            <a:r>
+              <a:rPr lang="fr-FR" dirty="0" err="1"/>
+              <a:t>tokens</a:t>
+            </a:r>
+            <a:r>
+              <a:rPr lang="fr-FR" dirty="0"/>
+              <a:t> temporaires pour réinitialisation, contrôle d'accès granulaire via </a:t>
+            </a:r>
+            <a:r>
+              <a:rPr lang="fr-FR" dirty="0" err="1"/>
+              <a:t>Voters</a:t>
+            </a:r>
+            <a:r>
+              <a:rPr lang="fr-FR" b="0" i="0" dirty="0">
+                <a:solidFill>
+                  <a:srgbClr val="44546A"/>
+                </a:solidFill>
+                <a:effectLst/>
+                <a:latin typeface="+mn-lt"/>
+              </a:rPr>
+              <a:t> garantissant que chaque séance est protégée, et que seul le personnel autorisé peut accéder à l’application.</a:t>
+            </a:r>
+          </a:p>
+          <a:p>
+            <a:endParaRPr lang="fr-FR" b="0" i="0" dirty="0">
+              <a:solidFill>
+                <a:srgbClr val="44546A"/>
+              </a:solidFill>
+              <a:effectLst/>
+              <a:latin typeface="+mn-lt"/>
+            </a:endParaRPr>
+          </a:p>
+          <a:p>
+            <a:pPr marL="0" marR="0" lvl="0" indent="0" algn="l" defTabSz="914400" rtl="0" eaLnBrk="1" fontAlgn="auto" latinLnBrk="0" hangingPunct="1">
+              <a:lnSpc>
+                <a:spcPct val="100000"/>
+              </a:lnSpc>
+              <a:spcBef>
+                <a:spcPts val="0"/>
+              </a:spcBef>
+              <a:spcAft>
+                <a:spcPts val="0"/>
+              </a:spcAft>
+              <a:buClrTx/>
+              <a:buSzTx/>
+              <a:buFontTx/>
+              <a:buNone/>
+              <a:tabLst/>
+              <a:defRPr/>
+            </a:pPr>
+            <a:r>
+              <a:rPr lang="fr-FR" dirty="0"/>
+              <a:t>2-</a:t>
+            </a:r>
+            <a:r>
+              <a:rPr lang="fr-FR" b="0" i="0" dirty="0">
+                <a:solidFill>
+                  <a:srgbClr val="44546A"/>
+                </a:solidFill>
+                <a:effectLst/>
+                <a:latin typeface="+mn-lt"/>
+              </a:rPr>
+              <a:t>Les rôles prédéfinis (admin, propriétaire du projet, collaborateur sur le projet, responsable d’une tâche, utilisateur standard) permettent de contrôler finement les droits d’accès, pour préserver la confidentialité et prévenir toute modification non autorisée.</a:t>
+            </a:r>
+          </a:p>
+          <a:p>
+            <a:pPr marL="0" marR="0" lvl="0" indent="0" algn="l" defTabSz="914400" rtl="0" eaLnBrk="1" fontAlgn="auto" latinLnBrk="0" hangingPunct="1">
+              <a:lnSpc>
+                <a:spcPct val="100000"/>
+              </a:lnSpc>
+              <a:spcBef>
+                <a:spcPts val="0"/>
+              </a:spcBef>
+              <a:spcAft>
+                <a:spcPts val="0"/>
+              </a:spcAft>
+              <a:buClrTx/>
+              <a:buSzTx/>
+              <a:buFontTx/>
+              <a:buNone/>
+              <a:tabLst/>
+              <a:defRPr/>
+            </a:pPr>
+            <a:endParaRPr lang="fr-FR" b="0" i="0" dirty="0">
+              <a:solidFill>
+                <a:srgbClr val="44546A"/>
+              </a:solidFill>
+              <a:effectLst/>
+              <a:latin typeface="+mn-lt"/>
+            </a:endParaRPr>
+          </a:p>
+          <a:p>
+            <a:r>
+              <a:rPr lang="fr-FR" dirty="0"/>
+              <a:t>3-</a:t>
+            </a:r>
+            <a:r>
+              <a:rPr lang="fr-FR" b="0" i="0" dirty="0">
+                <a:solidFill>
+                  <a:srgbClr val="44546A"/>
+                </a:solidFill>
+                <a:effectLst/>
+                <a:latin typeface="+mn-lt"/>
+              </a:rPr>
+              <a:t>Les données personnelles et professionnelles sont cryptées, et l’application respecte les normes de sécurité en vigueur pour assurer la confidentialité des informations sensibles.</a:t>
+            </a:r>
+            <a:r>
+              <a:rPr lang="fr-FR" dirty="0">
+                <a:latin typeface="+mn-lt"/>
+              </a:rPr>
+              <a:t> </a:t>
+            </a:r>
+            <a:endParaRPr lang="fr-FR" dirty="0"/>
+          </a:p>
+        </p:txBody>
+      </p:sp>
+      <p:sp>
+        <p:nvSpPr>
+          <p:cNvPr id="4" name="Espace réservé du numéro de diapositive 3"/>
+          <p:cNvSpPr>
+            <a:spLocks noGrp="1"/>
+          </p:cNvSpPr>
+          <p:nvPr>
+            <p:ph type="sldNum" sz="quarter" idx="5"/>
+          </p:nvPr>
+        </p:nvSpPr>
+        <p:spPr/>
+        <p:txBody>
+          <a:bodyPr/>
+          <a:lstStyle/>
+          <a:p>
+            <a:fld id="{1BDA7C62-858D-9C4B-9AE8-88FCCBB43389}" type="slidenum">
+              <a:rPr lang="en-US" smtClean="0"/>
+              <a:t>11</a:t>
+            </a:fld>
+            <a:endParaRPr lang="en-US"/>
+          </a:p>
+        </p:txBody>
+      </p:sp>
+    </p:spTree>
+    <p:extLst>
+      <p:ext uri="{BB962C8B-B14F-4D97-AF65-F5344CB8AC3E}">
+        <p14:creationId xmlns:p14="http://schemas.microsoft.com/office/powerpoint/2010/main" val="2891033135"/>
       </p:ext>
     </p:extLst>
   </p:cSld>
@@ -1595,7 +3332,7 @@
             <a:fld id="{04F85528-7667-1E46-8111-8E661B15A7D9}" type="datetimeFigureOut">
               <a:rPr lang="en-US" smtClean="0"/>
               <a:pPr/>
-              <a:t>10/19/2025</a:t>
+              <a:t>10/20/2025</a:t>
             </a:fld>
             <a:endParaRPr lang="en-US"/>
           </a:p>
@@ -2751,7 +4488,7 @@
             <a:fld id="{04F85528-7667-1E46-8111-8E661B15A7D9}" type="datetimeFigureOut">
               <a:rPr lang="en-US" smtClean="0"/>
               <a:pPr/>
-              <a:t>10/19/2025</a:t>
+              <a:t>10/20/2025</a:t>
             </a:fld>
             <a:endParaRPr lang="en-US"/>
           </a:p>
@@ -4841,7 +6578,7 @@
             <a:fld id="{04F85528-7667-1E46-8111-8E661B15A7D9}" type="datetimeFigureOut">
               <a:rPr lang="en-US" smtClean="0"/>
               <a:pPr/>
-              <a:t>10/19/2025</a:t>
+              <a:t>10/20/2025</a:t>
             </a:fld>
             <a:endParaRPr lang="en-US"/>
           </a:p>
@@ -5192,7 +6929,7 @@
             <a:fld id="{04F85528-7667-1E46-8111-8E661B15A7D9}" type="datetimeFigureOut">
               <a:rPr lang="en-US" smtClean="0"/>
               <a:pPr/>
-              <a:t>10/19/2025</a:t>
+              <a:t>10/20/2025</a:t>
             </a:fld>
             <a:endParaRPr lang="en-US"/>
           </a:p>
@@ -6504,7 +8241,7 @@
             <a:fld id="{04F85528-7667-1E46-8111-8E661B15A7D9}" type="datetimeFigureOut">
               <a:rPr lang="en-US" smtClean="0"/>
               <a:pPr/>
-              <a:t>10/19/2025</a:t>
+              <a:t>10/20/2025</a:t>
             </a:fld>
             <a:endParaRPr lang="en-US"/>
           </a:p>
@@ -6876,7 +8613,7 @@
             <a:fld id="{04F85528-7667-1E46-8111-8E661B15A7D9}" type="datetimeFigureOut">
               <a:rPr lang="en-US" smtClean="0"/>
               <a:pPr/>
-              <a:t>10/19/2025</a:t>
+              <a:t>10/20/2025</a:t>
             </a:fld>
             <a:endParaRPr lang="en-US"/>
           </a:p>
@@ -11339,7 +13076,7 @@
             <a:fld id="{04F85528-7667-1E46-8111-8E661B15A7D9}" type="datetimeFigureOut">
               <a:rPr lang="en-US" smtClean="0"/>
               <a:pPr/>
-              <a:t>10/19/2025</a:t>
+              <a:t>10/20/2025</a:t>
             </a:fld>
             <a:endParaRPr lang="en-US"/>
           </a:p>
@@ -12010,7 +13747,7 @@
             <a:fld id="{04F85528-7667-1E46-8111-8E661B15A7D9}" type="datetimeFigureOut">
               <a:rPr lang="en-US" smtClean="0"/>
               <a:pPr/>
-              <a:t>10/19/2025</a:t>
+              <a:t>10/20/2025</a:t>
             </a:fld>
             <a:endParaRPr lang="en-US"/>
           </a:p>
@@ -13723,8 +15460,8 @@
         </p:nvSpPr>
         <p:spPr>
           <a:xfrm>
-            <a:off x="838200" y="2176860"/>
-            <a:ext cx="6280284" cy="2618660"/>
+            <a:off x="1629102" y="2753710"/>
+            <a:ext cx="5489381" cy="2041810"/>
           </a:xfrm>
         </p:spPr>
         <p:txBody>
@@ -13732,22 +15469,71 @@
             <a:noAutofit/>
           </a:bodyPr>
           <a:lstStyle/>
+          <a:p>
+            <a:pPr marL="285750" indent="-285750">
+              <a:lnSpc>
+                <a:spcPct val="100000"/>
+              </a:lnSpc>
+              <a:buFontTx/>
+              <a:buChar char="-"/>
+            </a:pPr>
+            <a:r>
+              <a:rPr lang="fr-FR" sz="1800" b="1" i="0" dirty="0">
+                <a:solidFill>
+                  <a:srgbClr val="44546A"/>
+                </a:solidFill>
+                <a:effectLst/>
+                <a:latin typeface="+mn-lt"/>
+              </a:rPr>
+              <a:t>Mise à jour en temps réel des tâches</a:t>
+            </a:r>
+          </a:p>
+          <a:p>
+            <a:pPr marL="285750" indent="-285750">
+              <a:lnSpc>
+                <a:spcPct val="100000"/>
+              </a:lnSpc>
+              <a:buFontTx/>
+              <a:buChar char="-"/>
+            </a:pPr>
+            <a:endParaRPr lang="fr-FR" sz="1800" b="1" i="0" dirty="0">
+              <a:solidFill>
+                <a:srgbClr val="44546A"/>
+              </a:solidFill>
+              <a:effectLst/>
+              <a:latin typeface="+mn-lt"/>
+            </a:endParaRPr>
+          </a:p>
+          <a:p>
+            <a:pPr marL="285750" indent="-285750">
+              <a:lnSpc>
+                <a:spcPct val="100000"/>
+              </a:lnSpc>
+              <a:buFontTx/>
+              <a:buChar char="-"/>
+            </a:pPr>
+            <a:r>
+              <a:rPr lang="fr-FR" sz="1800" b="1" dirty="0">
+                <a:solidFill>
+                  <a:srgbClr val="44546A"/>
+                </a:solidFill>
+              </a:rPr>
+              <a:t>Historique des modifications</a:t>
+            </a:r>
+          </a:p>
           <a:p>
             <a:pPr>
               <a:lnSpc>
                 <a:spcPct val="100000"/>
               </a:lnSpc>
             </a:pPr>
-            <a:r>
-              <a:rPr lang="fr-FR" sz="1800" b="1" i="0" dirty="0">
-                <a:solidFill>
-                  <a:srgbClr val="44546A"/>
-                </a:solidFill>
-                <a:effectLst/>
-                <a:latin typeface="+mn-lt"/>
-              </a:rPr>
-              <a:t>Mise à jour en temps réel des tâches</a:t>
-            </a:r>
+            <a:endParaRPr lang="fr-FR" sz="1800" b="1" i="0" dirty="0">
+              <a:solidFill>
+                <a:srgbClr val="44546A"/>
+              </a:solidFill>
+              <a:effectLst/>
+              <a:latin typeface="+mn-lt"/>
+            </a:endParaRPr>
           </a:p>
           <a:p>
             <a:pPr>
@@ -13763,7 +15549,7 @@
                 <a:effectLst/>
                 <a:latin typeface="+mn-lt"/>
               </a:rPr>
-              <a:t>Grâce à une communication instantanée, chaque modification apportée à une tâche se reflète immédiatement pour tous les membres concernés, permettant un suivi précis et dynamique du projet.</a:t>
+              <a:t>.</a:t>
             </a:r>
           </a:p>
           <a:p>
@@ -13772,39 +15558,6 @@
                 <a:spcPct val="100000"/>
               </a:lnSpc>
             </a:pPr>
-            <a:r>
-              <a:rPr lang="fr-FR" sz="1800" b="1" i="0" dirty="0">
-                <a:solidFill>
-                  <a:srgbClr val="44546A"/>
-                </a:solidFill>
-                <a:effectLst/>
-                <a:latin typeface="+mn-lt"/>
-              </a:rPr>
-              <a:t>Historique des modifications</a:t>
-            </a:r>
-          </a:p>
-          <a:p>
-            <a:pPr>
-              <a:lnSpc>
-                <a:spcPct val="100000"/>
-              </a:lnSpc>
-            </a:pPr>
-            <a:r>
-              <a:rPr lang="fr-FR" b="0" i="0" dirty="0">
-                <a:solidFill>
-                  <a:srgbClr val="44546A"/>
-                </a:solidFill>
-                <a:effectLst/>
-                <a:latin typeface="+mn-lt"/>
-              </a:rPr>
-              <a:t>Toutes les actions effectuées sur les tâches ou projets sont enregistrées dans un historique, offrant une traçabilité complète pour l’analyse ultérieure ou la résolution de conflits éventuels.</a:t>
-            </a:r>
-            <a:r>
-              <a:rPr lang="fr-FR" dirty="0">
-                <a:latin typeface="+mn-lt"/>
-              </a:rPr>
-              <a:t> </a:t>
-            </a:r>
             <a:br>
               <a:rPr lang="fr-FR" dirty="0">
                 <a:latin typeface="+mn-lt"/>
@@ -13822,36 +15575,6 @@
             <a:extLst>
               <a:ext uri="{FF2B5EF4-FFF2-40B4-BE49-F238E27FC236}">
                 <a16:creationId xmlns:a16="http://schemas.microsoft.com/office/drawing/2014/main" id="{5F72EEE3-DF8C-C7EE-3196-439830118E45}"/>
-              </a:ext>
-            </a:extLst>
-          </p:cNvPr>
-          <p:cNvPicPr>
-            <a:picLocks noChangeAspect="1"/>
-          </p:cNvPicPr>
-          <p:nvPr/>
-        </p:nvPicPr>
-        <p:blipFill>
-          <a:blip r:embed="rId2"/>
-          <a:stretch>
-            <a:fillRect/>
-          </a:stretch>
-        </p:blipFill>
-        <p:spPr>
-          <a:xfrm>
-            <a:off x="7776515" y="1588857"/>
-            <a:ext cx="4303724" cy="3853133"/>
-          </a:xfrm>
-          <a:prstGeom prst="rect">
-            <a:avLst/>
-          </a:prstGeom>
-        </p:spPr>
-      </p:pic>
-      <p:pic>
-        <p:nvPicPr>
-          <p:cNvPr id="6" name="Image 5">
-            <a:extLst>
-              <a:ext uri="{FF2B5EF4-FFF2-40B4-BE49-F238E27FC236}">
-                <a16:creationId xmlns:a16="http://schemas.microsoft.com/office/drawing/2014/main" id="{AFCB7524-BB69-4FD1-9102-196EC4B119DF}"/>
               </a:ext>
             </a:extLst>
           </p:cNvPr>
@@ -13862,6 +15585,36 @@
         </p:nvPicPr>
         <p:blipFill>
           <a:blip r:embed="rId3"/>
+          <a:stretch>
+            <a:fillRect/>
+          </a:stretch>
+        </p:blipFill>
+        <p:spPr>
+          <a:xfrm>
+            <a:off x="7776515" y="1588857"/>
+            <a:ext cx="4303724" cy="3853133"/>
+          </a:xfrm>
+          <a:prstGeom prst="rect">
+            <a:avLst/>
+          </a:prstGeom>
+        </p:spPr>
+      </p:pic>
+      <p:pic>
+        <p:nvPicPr>
+          <p:cNvPr id="6" name="Image 5">
+            <a:extLst>
+              <a:ext uri="{FF2B5EF4-FFF2-40B4-BE49-F238E27FC236}">
+                <a16:creationId xmlns:a16="http://schemas.microsoft.com/office/drawing/2014/main" id="{AFCB7524-BB69-4FD1-9102-196EC4B119DF}"/>
+              </a:ext>
+            </a:extLst>
+          </p:cNvPr>
+          <p:cNvPicPr>
+            <a:picLocks noChangeAspect="1"/>
+          </p:cNvPicPr>
+          <p:nvPr/>
+        </p:nvPicPr>
+        <p:blipFill>
+          <a:blip r:embed="rId4"/>
           <a:stretch>
             <a:fillRect/>
           </a:stretch>
@@ -13936,15 +15689,69 @@
         </p:nvSpPr>
         <p:spPr>
           <a:xfrm>
-            <a:off x="838200" y="2112329"/>
-            <a:ext cx="10515600" cy="3343592"/>
+            <a:off x="1923392" y="2427889"/>
+            <a:ext cx="9430407" cy="3028031"/>
           </a:xfrm>
         </p:spPr>
         <p:txBody>
           <a:bodyPr>
-            <a:normAutofit lnSpcReduction="10000"/>
+            <a:normAutofit/>
           </a:bodyPr>
           <a:lstStyle/>
+          <a:p>
+            <a:pPr>
+              <a:lnSpc>
+                <a:spcPct val="100000"/>
+              </a:lnSpc>
+              <a:buFontTx/>
+              <a:buChar char="-"/>
+            </a:pPr>
+            <a:r>
+              <a:rPr lang="fr-FR" sz="1800" b="1" i="0" dirty="0">
+                <a:solidFill>
+                  <a:srgbClr val="44546A"/>
+                </a:solidFill>
+                <a:effectLst/>
+                <a:latin typeface="+mn-lt"/>
+              </a:rPr>
+              <a:t>Authentification et gestion des sessions</a:t>
+            </a:r>
+          </a:p>
+          <a:p>
+            <a:pPr>
+              <a:lnSpc>
+                <a:spcPct val="100000"/>
+              </a:lnSpc>
+              <a:buFontTx/>
+              <a:buChar char="-"/>
+            </a:pPr>
+            <a:endParaRPr lang="fr-FR" sz="1800" b="1" i="0" dirty="0">
+              <a:solidFill>
+                <a:srgbClr val="44546A"/>
+              </a:solidFill>
+              <a:effectLst/>
+              <a:latin typeface="+mn-lt"/>
+            </a:endParaRPr>
+          </a:p>
+          <a:p>
+            <a:pPr>
+              <a:lnSpc>
+                <a:spcPct val="100000"/>
+              </a:lnSpc>
+              <a:buFontTx/>
+              <a:buChar char="-"/>
+            </a:pPr>
+            <a:r>
+              <a:rPr lang="fr-FR" sz="1800" b="1" i="0" dirty="0">
+                <a:solidFill>
+                  <a:srgbClr val="44546A"/>
+                </a:solidFill>
+                <a:effectLst/>
+                <a:latin typeface="+mn-lt"/>
+              </a:rPr>
+              <a:t>Rôles et permissions</a:t>
+            </a:r>
+          </a:p>
           <a:p>
             <a:pPr marL="0" indent="0">
               <a:lnSpc>
@@ -13952,6 +15759,22 @@
               </a:lnSpc>
               <a:buNone/>
             </a:pPr>
+            <a:endParaRPr lang="fr-FR" sz="1800" b="1" i="0" dirty="0">
+              <a:solidFill>
+                <a:srgbClr val="44546A"/>
+              </a:solidFill>
+              <a:effectLst/>
+              <a:latin typeface="+mn-lt"/>
+            </a:endParaRPr>
+          </a:p>
+          <a:p>
+            <a:pPr>
+              <a:lnSpc>
+                <a:spcPct val="100000"/>
+              </a:lnSpc>
+              <a:buFontTx/>
+              <a:buChar char="-"/>
+            </a:pPr>
             <a:r>
               <a:rPr lang="fr-FR" sz="1800" b="1" i="0" dirty="0">
                 <a:solidFill>
@@ -13960,7 +15783,7 @@
                 <a:effectLst/>
                 <a:latin typeface="+mn-lt"/>
               </a:rPr>
-              <a:t>Authentification et gestion des sessions</a:t>
+              <a:t>Protection des données sensibles</a:t>
             </a:r>
           </a:p>
           <a:p>
@@ -13970,156 +15793,6 @@
               </a:lnSpc>
               <a:buNone/>
             </a:pPr>
-            <a:r>
-              <a:rPr lang="fr-FR" b="0" i="0" dirty="0">
-                <a:solidFill>
-                  <a:srgbClr val="44546A"/>
-                </a:solidFill>
-                <a:effectLst/>
-                <a:latin typeface="+mn-lt"/>
-              </a:rPr>
-              <a:t>Le système utilise des méthodes d’authentification sécurisées telles que </a:t>
-            </a:r>
-            <a:r>
-              <a:rPr lang="fr-FR" dirty="0" err="1"/>
-              <a:t>Hashage</a:t>
-            </a:r>
-            <a:r>
-              <a:rPr lang="fr-FR" dirty="0"/>
-              <a:t> moderne des mots de passe (</a:t>
-            </a:r>
-            <a:r>
-              <a:rPr lang="fr-FR" b="0" i="0" dirty="0" err="1">
-                <a:solidFill>
-                  <a:srgbClr val="44546A"/>
-                </a:solidFill>
-                <a:effectLst/>
-                <a:latin typeface="+mn-lt"/>
-              </a:rPr>
-              <a:t>Bcrypt</a:t>
-            </a:r>
-            <a:r>
-              <a:rPr lang="fr-FR" b="0" i="0" dirty="0">
-                <a:solidFill>
-                  <a:srgbClr val="44546A"/>
-                </a:solidFill>
-                <a:effectLst/>
-                <a:latin typeface="+mn-lt"/>
-              </a:rPr>
-              <a:t>), </a:t>
-            </a:r>
-            <a:r>
-              <a:rPr lang="fr-FR" dirty="0"/>
-              <a:t>Protection CSRF avec </a:t>
-            </a:r>
-            <a:r>
-              <a:rPr lang="fr-FR" dirty="0" err="1"/>
-              <a:t>token</a:t>
-            </a:r>
-            <a:r>
-              <a:rPr lang="fr-FR" dirty="0"/>
-              <a:t>, vérification d'email, </a:t>
-            </a:r>
-            <a:r>
-              <a:rPr lang="fr-FR" dirty="0" err="1"/>
-              <a:t>tokens</a:t>
-            </a:r>
-            <a:r>
-              <a:rPr lang="fr-FR" dirty="0"/>
-              <a:t> temporaires pour réinitialisation, contrôle d'accès granulaire via </a:t>
-            </a:r>
-            <a:r>
-              <a:rPr lang="fr-FR" dirty="0" err="1"/>
-              <a:t>Voters</a:t>
-            </a:r>
-            <a:r>
-              <a:rPr lang="fr-FR" b="0" i="0" dirty="0">
-                <a:solidFill>
-                  <a:srgbClr val="44546A"/>
-                </a:solidFill>
-                <a:effectLst/>
-                <a:latin typeface="+mn-lt"/>
-              </a:rPr>
-              <a:t> garantissant que chaque séance est protégée, et que seul le personnel autorisé peut accéder à l’application.</a:t>
-            </a:r>
-          </a:p>
-          <a:p>
-            <a:pPr marL="0" indent="0">
-              <a:lnSpc>
-                <a:spcPct val="100000"/>
-              </a:lnSpc>
-              <a:buNone/>
-            </a:pPr>
-            <a:r>
-              <a:rPr lang="fr-FR" sz="1800" b="1" i="0" dirty="0">
-                <a:solidFill>
-                  <a:srgbClr val="44546A"/>
-                </a:solidFill>
-                <a:effectLst/>
-                <a:latin typeface="+mn-lt"/>
-              </a:rPr>
-              <a:t>Rôles et permissions</a:t>
-            </a:r>
-          </a:p>
-          <a:p>
-            <a:pPr marL="0" indent="0">
-              <a:lnSpc>
-                <a:spcPct val="100000"/>
-              </a:lnSpc>
-              <a:buNone/>
-            </a:pPr>
-            <a:r>
-              <a:rPr lang="fr-FR" b="0" i="0" dirty="0">
-                <a:solidFill>
-                  <a:srgbClr val="44546A"/>
-                </a:solidFill>
-                <a:effectLst/>
-                <a:latin typeface="+mn-lt"/>
-              </a:rPr>
-              <a:t>Les rôles prédéfinis (admin, propriétaire du projet, collaborateur sur le projet, responsable d’une tâche, utilisateur standard) permettent de contrôler finement les droits d’accès, pour préserver la confidentialité et prévenir toute modification non autorisée.</a:t>
-            </a:r>
-          </a:p>
-          <a:p>
-            <a:pPr marL="0" indent="0">
-              <a:lnSpc>
-                <a:spcPct val="100000"/>
-              </a:lnSpc>
-              <a:buNone/>
-            </a:pPr>
-            <a:r>
-              <a:rPr lang="fr-FR" sz="1800" b="1" i="0" dirty="0">
-                <a:solidFill>
-                  <a:srgbClr val="44546A"/>
-                </a:solidFill>
-                <a:effectLst/>
-                <a:latin typeface="+mn-lt"/>
-              </a:rPr>
-              <a:t>Protection des données sensibles</a:t>
-            </a:r>
-          </a:p>
-          <a:p>
-            <a:pPr marL="0" indent="0">
-              <a:lnSpc>
-                <a:spcPct val="100000"/>
-              </a:lnSpc>
-              <a:buNone/>
-            </a:pPr>
-            <a:r>
-              <a:rPr lang="fr-FR" b="0" i="0" dirty="0">
-                <a:solidFill>
-                  <a:srgbClr val="44546A"/>
-                </a:solidFill>
-                <a:effectLst/>
-                <a:latin typeface="+mn-lt"/>
-              </a:rPr>
-              <a:t>Les données personnelles et professionnelles sont cryptées, et l’application respecte les normes de sécurité en vigueur pour assurer la confidentialité des informations sensibles.</a:t>
-            </a:r>
-            <a:r>
-              <a:rPr lang="fr-FR" dirty="0">
-                <a:latin typeface="+mn-lt"/>
-              </a:rPr>
-              <a:t> </a:t>
-            </a:r>
             <a:br>
               <a:rPr lang="fr-FR" dirty="0">
                 <a:latin typeface="+mn-lt"/>
@@ -14294,6 +15967,9 @@
   <p:clrMapOvr>
     <a:masterClrMapping/>
   </p:clrMapOvr>
+  <p:transition spd="slow">
+    <p:cover/>
+  </p:transition>
 </p:sld>
 </file>
 
@@ -14354,6 +16030,18 @@
   <p:clrMapOvr>
     <a:masterClrMapping/>
   </p:clrMapOvr>
+  <mc:AlternateContent xmlns:mc="http://schemas.openxmlformats.org/markup-compatibility/2006">
+    <mc:Choice xmlns:p14="http://schemas.microsoft.com/office/powerpoint/2010/main" Requires="p14">
+      <p:transition spd="slow" p14:dur="1500">
+        <p:split orient="vert"/>
+      </p:transition>
+    </mc:Choice>
+    <mc:Fallback>
+      <p:transition spd="slow">
+        <p:split orient="vert"/>
+      </p:transition>
+    </mc:Fallback>
+  </mc:AlternateContent>
 </p:sld>
 </file>
 
@@ -14444,6 +16132,9 @@
   <p:clrMapOvr>
     <a:masterClrMapping/>
   </p:clrMapOvr>
+  <p:transition spd="slow">
+    <p:push dir="u"/>
+  </p:transition>
 </p:sld>
 </file>
 
@@ -14542,8 +16233,8 @@
         </p:nvSpPr>
         <p:spPr>
           <a:xfrm>
-            <a:off x="838200" y="2172909"/>
-            <a:ext cx="6600099" cy="2734371"/>
+            <a:off x="2270234" y="2628830"/>
+            <a:ext cx="5168065" cy="2278450"/>
           </a:xfrm>
         </p:spPr>
         <p:txBody>
@@ -14551,12 +16242,45 @@
             <a:noAutofit/>
           </a:bodyPr>
           <a:lstStyle/>
+          <a:p>
+            <a:pPr marL="285750" indent="-285750">
+              <a:lnSpc>
+                <a:spcPct val="100000"/>
+              </a:lnSpc>
+              <a:buFontTx/>
+              <a:buChar char="-"/>
+            </a:pPr>
+            <a:r>
+              <a:rPr lang="fr-FR" sz="1800" b="1" i="0" dirty="0">
+                <a:solidFill>
+                  <a:srgbClr val="44546A"/>
+                </a:solidFill>
+                <a:effectLst/>
+              </a:rPr>
+              <a:t>Optimisation des performances</a:t>
+            </a:r>
+          </a:p>
           <a:p>
             <a:pPr>
               <a:lnSpc>
                 <a:spcPct val="100000"/>
               </a:lnSpc>
             </a:pPr>
+            <a:endParaRPr lang="fr-FR" sz="1800" b="1" i="0" dirty="0">
+              <a:solidFill>
+                <a:srgbClr val="44546A"/>
+              </a:solidFill>
+              <a:effectLst/>
+            </a:endParaRPr>
+          </a:p>
+          <a:p>
+            <a:pPr marL="285750" indent="-285750">
+              <a:lnSpc>
+                <a:spcPct val="100000"/>
+              </a:lnSpc>
+              <a:buFontTx/>
+              <a:buChar char="-"/>
+            </a:pPr>
             <a:r>
               <a:rPr lang="fr-FR" sz="1800" b="1" i="0" dirty="0">
                 <a:solidFill>
@@ -14564,7 +16288,7 @@
                 </a:solidFill>
                 <a:effectLst/>
               </a:rPr>
-              <a:t>Optimisation des performances</a:t>
+              <a:t>Gestion des erreurs et fiabilité</a:t>
             </a:r>
           </a:p>
           <a:p>
@@ -14573,69 +16297,6 @@
                 <a:spcPct val="100000"/>
               </a:lnSpc>
             </a:pPr>
-            <a:r>
-              <a:rPr lang="fr-FR" sz="1600" b="0" i="0" dirty="0">
-                <a:solidFill>
-                  <a:srgbClr val="44546A"/>
-                </a:solidFill>
-                <a:effectLst/>
-              </a:rPr>
-              <a:t>Pour garantir une réactivité optimale, il a été privilégié un chargement asynchrone, le </a:t>
-            </a:r>
-            <a:r>
-              <a:rPr lang="fr-FR" sz="1600" b="0" i="0" dirty="0" err="1">
-                <a:solidFill>
-                  <a:srgbClr val="44546A"/>
-                </a:solidFill>
-                <a:effectLst/>
-              </a:rPr>
-              <a:t>caching</a:t>
-            </a:r>
-            <a:r>
-              <a:rPr lang="fr-FR" sz="1600" b="0" i="0" dirty="0">
-                <a:solidFill>
-                  <a:srgbClr val="44546A"/>
-                </a:solidFill>
-                <a:effectLst/>
-              </a:rPr>
-              <a:t>, et la gestion efficace des bases de données, même avec un nombre élevé d’utilisateurs et de tâches.</a:t>
-            </a:r>
-          </a:p>
-          <a:p>
-            <a:pPr>
-              <a:lnSpc>
-                <a:spcPct val="100000"/>
-              </a:lnSpc>
-            </a:pPr>
-            <a:r>
-              <a:rPr lang="fr-FR" sz="1800" b="1" i="0" dirty="0">
-                <a:solidFill>
-                  <a:srgbClr val="44546A"/>
-                </a:solidFill>
-                <a:effectLst/>
-              </a:rPr>
-              <a:t>Gestion des erreurs et fiabilité</a:t>
-            </a:r>
-          </a:p>
-          <a:p>
-            <a:pPr>
-              <a:lnSpc>
-                <a:spcPct val="100000"/>
-              </a:lnSpc>
-            </a:pPr>
-            <a:r>
-              <a:rPr lang="fr-FR" sz="1600" b="0" i="0" dirty="0">
-                <a:solidFill>
-                  <a:srgbClr val="44546A"/>
-                </a:solidFill>
-                <a:effectLst/>
-              </a:rPr>
-              <a:t>Un système robuste de gestion des exceptions, des tests unitaires, et une surveillance continue assurent une haute disponibilité et une réduction significative des bugs ou défaillances.</a:t>
-            </a:r>
-            <a:r>
-              <a:rPr lang="fr-FR" sz="1600" dirty="0"/>
-              <a:t> </a:t>
-            </a:r>
             <a:br>
               <a:rPr lang="fr-FR" sz="1600" dirty="0"/>
             </a:br>
@@ -16388,17 +18049,24 @@
             <p:ph idx="14"/>
           </p:nvPr>
         </p:nvSpPr>
-        <p:spPr/>
+        <p:spPr>
+          <a:xfrm>
+            <a:off x="3111062" y="2732689"/>
+            <a:ext cx="8128438" cy="3449035"/>
+          </a:xfrm>
+        </p:spPr>
         <p:txBody>
           <a:bodyPr>
             <a:noAutofit/>
           </a:bodyPr>
           <a:lstStyle/>
           <a:p>
-            <a:pPr>
+            <a:pPr marL="285750" indent="-285750">
               <a:lnSpc>
                 <a:spcPct val="100000"/>
               </a:lnSpc>
+              <a:buFontTx/>
+              <a:buChar char="-"/>
             </a:pPr>
             <a:r>
               <a:rPr lang="fr-FR" sz="1800" b="1" i="0" dirty="0">
@@ -16411,26 +18079,27 @@
             </a:r>
           </a:p>
           <a:p>
-            <a:pPr>
+            <a:pPr marL="285750" indent="-285750">
               <a:lnSpc>
                 <a:spcPct val="100000"/>
               </a:lnSpc>
+              <a:buFontTx/>
+              <a:buChar char="-"/>
             </a:pPr>
-            <a:r>
-              <a:rPr lang="fr-FR" sz="1600" b="0" i="0" dirty="0">
-                <a:solidFill>
-                  <a:srgbClr val="44546A"/>
-                </a:solidFill>
-                <a:effectLst/>
-              </a:rPr>
-              <a:t>C’est une conception de plateforme complète intégrant la gestion des tâches, la collaboration en temps réel, la sécurité avancée, et une interface intuitive, adaptée aux besoins des équipes modernes.</a:t>
-            </a:r>
-          </a:p>
-          <a:p>
-            <a:pPr>
+            <a:endParaRPr lang="fr-FR" sz="1800" b="1" i="0" dirty="0">
+              <a:solidFill>
+                <a:srgbClr val="44546A"/>
+              </a:solidFill>
+              <a:effectLst/>
+            </a:endParaRPr>
+          </a:p>
+          <a:p>
+            <a:pPr marL="285750" indent="-285750">
               <a:lnSpc>
                 <a:spcPct val="100000"/>
               </a:lnSpc>
+              <a:buFontTx/>
+              <a:buChar char="-"/>
             </a:pPr>
             <a:r>
               <a:rPr lang="fr-FR" sz="1800" b="1" i="0" dirty="0">
@@ -16443,34 +18112,27 @@
             </a:r>
           </a:p>
           <a:p>
-            <a:pPr>
+            <a:pPr marL="285750" indent="-285750">
               <a:lnSpc>
                 <a:spcPct val="100000"/>
               </a:lnSpc>
+              <a:buFontTx/>
+              <a:buChar char="-"/>
             </a:pPr>
-            <a:r>
-              <a:rPr lang="fr-FR" sz="1600" dirty="0">
-                <a:solidFill>
-                  <a:srgbClr val="44546A"/>
-                </a:solidFill>
-              </a:rPr>
-              <a:t>Cette plateforme offre la possibilité d’</a:t>
-            </a:r>
-            <a:r>
-              <a:rPr lang="fr-FR" sz="1600" b="0" i="0" dirty="0">
-                <a:solidFill>
-                  <a:srgbClr val="44546A"/>
-                </a:solidFill>
-                <a:effectLst/>
-              </a:rPr>
-              <a:t>intégrer des fonctionnalités d’analyse avancée, l’export des rapports, ou encore l’intégration avec d’autres outils de gestion pour renforcer encore la productivité et la coopération.</a:t>
-            </a:r>
-          </a:p>
-          <a:p>
-            <a:pPr>
+            <a:endParaRPr lang="fr-FR" sz="1800" b="1" i="0" dirty="0">
+              <a:solidFill>
+                <a:srgbClr val="44546A"/>
+              </a:solidFill>
+              <a:effectLst/>
+            </a:endParaRPr>
+          </a:p>
+          <a:p>
+            <a:pPr marL="285750" indent="-285750">
               <a:lnSpc>
                 <a:spcPct val="100000"/>
               </a:lnSpc>
+              <a:buFontTx/>
+              <a:buChar char="-"/>
             </a:pPr>
             <a:r>
               <a:rPr lang="fr-FR" sz="1800" b="1" i="0" dirty="0">
@@ -16481,30 +18143,6 @@
               </a:rPr>
               <a:t>Impact potentiel sur la gestion de projets collaboratifs</a:t>
             </a:r>
-          </a:p>
-          <a:p>
-            <a:pPr>
-              <a:lnSpc>
-                <a:spcPct val="100000"/>
-              </a:lnSpc>
-            </a:pPr>
-            <a:r>
-              <a:rPr lang="fr-FR" sz="1600" b="0" i="0" dirty="0">
-                <a:solidFill>
-                  <a:srgbClr val="44546A"/>
-                </a:solidFill>
-                <a:effectLst/>
-              </a:rPr>
-              <a:t>Ce gestionnaire de tâches collaboratif peut transformer la façon dont les équipes travaillent, en rendant la gestion plus transparente, efficace, et réactive, et en favorisant une culture de collaboration proactive et structurée.</a:t>
-            </a:r>
-            <a:r>
-              <a:rPr lang="fr-FR" sz="1600" dirty="0"/>
-              <a:t> </a:t>
-            </a:r>
-            <a:br>
-              <a:rPr lang="fr-FR" sz="1600" dirty="0"/>
-            </a:br>
-            <a:endParaRPr lang="en-US" sz="1600" dirty="0"/>
           </a:p>
         </p:txBody>
       </p:sp>
@@ -16701,7 +18339,12 @@
             <p:ph idx="13"/>
           </p:nvPr>
         </p:nvSpPr>
-        <p:spPr/>
+        <p:spPr>
+          <a:xfrm>
+            <a:off x="2585545" y="1849821"/>
+            <a:ext cx="8615856" cy="4331904"/>
+          </a:xfrm>
+        </p:spPr>
         <p:txBody>
           <a:bodyPr>
             <a:noAutofit/>
@@ -17001,8 +18644,8 @@
         </p:nvSpPr>
         <p:spPr>
           <a:xfrm>
-            <a:off x="606490" y="1926875"/>
-            <a:ext cx="10972800" cy="3498979"/>
+            <a:off x="4330262" y="2438400"/>
+            <a:ext cx="7249028" cy="2987454"/>
           </a:xfrm>
         </p:spPr>
         <p:txBody>
@@ -17011,10 +18654,12 @@
           </a:bodyPr>
           <a:lstStyle/>
           <a:p>
-            <a:pPr>
+            <a:pPr marL="285750" indent="-285750" algn="l">
               <a:lnSpc>
                 <a:spcPct val="100000"/>
               </a:lnSpc>
+              <a:buFontTx/>
+              <a:buChar char="-"/>
             </a:pPr>
             <a:r>
               <a:rPr lang="fr-FR" sz="1800" b="1" i="0" dirty="0">
@@ -17028,29 +18673,14 @@
             </a:r>
           </a:p>
           <a:p>
-            <a:pPr>
+            <a:pPr marL="285750" indent="-285750" algn="l">
               <a:lnSpc>
                 <a:spcPct val="100000"/>
               </a:lnSpc>
+              <a:buFontTx/>
+              <a:buChar char="-"/>
             </a:pPr>
-            <a:r>
-              <a:rPr lang="fr-FR" b="0" i="0" dirty="0">
-                <a:solidFill>
-                  <a:srgbClr val="44546A"/>
-                </a:solidFill>
-                <a:effectLst/>
-                <a:latin typeface="+mn-lt"/>
-              </a:rPr>
-              <a:t>La gestion de tâches collaboratif désigne un système ou une plateforme permettant à plusieurs utilisateurs de planifier, suivre, et réaliser des tâches en équipe. Elle facilite la coordination, la communication et le partage d’informations pour assurer la réussite collective d’un projet.</a:t>
-            </a:r>
-          </a:p>
-          <a:p>
-            <a:pPr>
-              <a:lnSpc>
-                <a:spcPct val="100000"/>
-              </a:lnSpc>
-            </a:pPr>
-            <a:endParaRPr lang="fr-FR" b="0" i="0" dirty="0">
+            <a:endParaRPr lang="fr-FR" sz="1800" b="1" i="0" dirty="0">
               <a:solidFill>
                 <a:srgbClr val="44546A"/>
               </a:solidFill>
@@ -17059,46 +18689,31 @@
             </a:endParaRPr>
           </a:p>
           <a:p>
-            <a:pPr>
+            <a:pPr marL="285750" indent="-285750" algn="l">
+              <a:lnSpc>
+                <a:spcPct val="100000"/>
+              </a:lnSpc>
+              <a:buFontTx/>
+              <a:buChar char="-"/>
+            </a:pPr>
+            <a:r>
+              <a:rPr lang="fr-FR" sz="1800" b="1" i="0" dirty="0">
+                <a:solidFill>
+                  <a:srgbClr val="44546A"/>
+                </a:solidFill>
+                <a:effectLst/>
+                <a:latin typeface="+mn-lt"/>
+              </a:rPr>
+              <a:t>Importance dans un environnement professionnel</a:t>
+            </a:r>
+          </a:p>
+          <a:p>
+            <a:pPr algn="l">
               <a:lnSpc>
                 <a:spcPct val="100000"/>
               </a:lnSpc>
             </a:pPr>
-            <a:r>
-              <a:rPr lang="fr-FR" sz="1800" b="1" i="0" dirty="0">
-                <a:solidFill>
-                  <a:srgbClr val="44546A"/>
-                </a:solidFill>
-                <a:effectLst/>
-                <a:latin typeface="+mn-lt"/>
-              </a:rPr>
-              <a:t>Importance dans un environnement professionnel</a:t>
-            </a:r>
-          </a:p>
-          <a:p>
-            <a:pPr>
-              <a:lnSpc>
-                <a:spcPct val="100000"/>
-              </a:lnSpc>
-            </a:pPr>
-            <a:r>
-              <a:rPr lang="fr-FR" b="0" i="0" dirty="0">
-                <a:solidFill>
-                  <a:srgbClr val="44546A"/>
-                </a:solidFill>
-                <a:effectLst/>
-                <a:latin typeface="+mn-lt"/>
-              </a:rPr>
-              <a:t>Dans un contexte professionnel, cette gestion favorise la transparence, la responsabilisation des membres, et une meilleure organisation. Elle permet également d’optimiser le temps, de réduire les erreurs, et d’assurer la conformité aux délais et aux objectifs fixés.</a:t>
-            </a:r>
-          </a:p>
-          <a:p>
-            <a:pPr>
-              <a:lnSpc>
-                <a:spcPct val="100000"/>
-              </a:lnSpc>
-            </a:pPr>
-            <a:endParaRPr lang="fr-FR" b="0" i="0" dirty="0">
+            <a:endParaRPr lang="fr-FR" sz="1800" b="1" i="0" dirty="0">
               <a:solidFill>
                 <a:srgbClr val="44546A"/>
               </a:solidFill>
@@ -17107,10 +18722,12 @@
             </a:endParaRPr>
           </a:p>
           <a:p>
-            <a:pPr>
+            <a:pPr marL="285750" indent="-285750" algn="l">
               <a:lnSpc>
                 <a:spcPct val="100000"/>
               </a:lnSpc>
+              <a:buFontTx/>
+              <a:buChar char="-"/>
             </a:pPr>
             <a:r>
               <a:rPr lang="fr-FR" sz="1800" b="1" i="0" dirty="0">
@@ -17122,37 +18739,6 @@
               </a:rPr>
               <a:t>Objectifs de l'application Symfony proposée</a:t>
             </a:r>
-          </a:p>
-          <a:p>
-            <a:pPr>
-              <a:lnSpc>
-                <a:spcPct val="100000"/>
-              </a:lnSpc>
-            </a:pPr>
-            <a:r>
-              <a:rPr lang="fr-FR" b="0" i="0" dirty="0">
-                <a:solidFill>
-                  <a:srgbClr val="44546A"/>
-                </a:solidFill>
-                <a:effectLst/>
-                <a:latin typeface="+mn-lt"/>
-              </a:rPr>
-              <a:t>L’objectif principal de notre application Symfony est de fournir une plateforme intuitive, sécurisée et évolutive permettant à des équipes multi-utilisateurs de gérer efficacement leurs tâches. Elle vise à renforcer la collaboration, assurer une gestion transparente, et offrir des outils pour suivre l’avancement en temps réel.</a:t>
-            </a:r>
-            <a:r>
-              <a:rPr lang="fr-FR" dirty="0">
-                <a:latin typeface="+mn-lt"/>
-              </a:rPr>
-              <a:t> </a:t>
-            </a:r>
-            <a:br>
-              <a:rPr lang="fr-FR" dirty="0">
-                <a:latin typeface="+mn-lt"/>
-              </a:rPr>
-            </a:br>
-            <a:endParaRPr lang="en-US" dirty="0">
-              <a:latin typeface="+mn-lt"/>
-            </a:endParaRPr>
           </a:p>
         </p:txBody>
       </p:sp>
@@ -17253,8 +18839,8 @@
         </p:nvSpPr>
         <p:spPr>
           <a:xfrm>
-            <a:off x="838200" y="1541145"/>
-            <a:ext cx="10517401" cy="4356100"/>
+            <a:off x="2932386" y="1690687"/>
+            <a:ext cx="8423215" cy="4206557"/>
           </a:xfrm>
         </p:spPr>
         <p:txBody>
@@ -17262,95 +18848,96 @@
             <a:noAutofit/>
           </a:bodyPr>
           <a:lstStyle/>
+          <a:p>
+            <a:pPr marL="285750" indent="-285750">
+              <a:lnSpc>
+                <a:spcPct val="100000"/>
+              </a:lnSpc>
+              <a:buFontTx/>
+              <a:buChar char="-"/>
+            </a:pPr>
+            <a:r>
+              <a:rPr lang="fr-FR" sz="1800" b="1" i="0" dirty="0">
+                <a:solidFill>
+                  <a:srgbClr val="44546A"/>
+                </a:solidFill>
+                <a:effectLst/>
+              </a:rPr>
+              <a:t>Problématiques actuelles de gestion de tâches</a:t>
+            </a:r>
+          </a:p>
+          <a:p>
+            <a:pPr marL="285750" indent="-285750">
+              <a:lnSpc>
+                <a:spcPct val="100000"/>
+              </a:lnSpc>
+              <a:buFontTx/>
+              <a:buChar char="-"/>
+            </a:pPr>
+            <a:endParaRPr lang="fr-FR" sz="1800" b="1" i="0" dirty="0">
+              <a:solidFill>
+                <a:srgbClr val="44546A"/>
+              </a:solidFill>
+              <a:effectLst/>
+            </a:endParaRPr>
+          </a:p>
+          <a:p>
+            <a:pPr marL="285750" indent="-285750">
+              <a:lnSpc>
+                <a:spcPct val="100000"/>
+              </a:lnSpc>
+              <a:buFontTx/>
+              <a:buChar char="-"/>
+            </a:pPr>
+            <a:r>
+              <a:rPr lang="fr-FR" sz="1800" b="1" i="0" dirty="0">
+                <a:solidFill>
+                  <a:srgbClr val="44546A"/>
+                </a:solidFill>
+                <a:effectLst/>
+              </a:rPr>
+              <a:t>Exigences des utilisateurs multi-utilisateurs</a:t>
+            </a:r>
+          </a:p>
+          <a:p>
+            <a:pPr marL="285750" indent="-285750">
+              <a:lnSpc>
+                <a:spcPct val="100000"/>
+              </a:lnSpc>
+              <a:buFontTx/>
+              <a:buChar char="-"/>
+            </a:pPr>
+            <a:endParaRPr lang="fr-FR" sz="1800" b="1" i="0" dirty="0">
+              <a:solidFill>
+                <a:srgbClr val="44546A"/>
+              </a:solidFill>
+              <a:effectLst/>
+            </a:endParaRPr>
+          </a:p>
+          <a:p>
+            <a:pPr marL="285750" indent="-285750">
+              <a:lnSpc>
+                <a:spcPct val="100000"/>
+              </a:lnSpc>
+              <a:buFontTx/>
+              <a:buChar char="-"/>
+            </a:pPr>
+            <a:r>
+              <a:rPr lang="fr-FR" sz="1800" b="1" i="0" dirty="0">
+                <a:solidFill>
+                  <a:srgbClr val="44546A"/>
+                </a:solidFill>
+                <a:effectLst/>
+              </a:rPr>
+              <a:t>Enjeux de collaboration efficace</a:t>
+            </a:r>
+          </a:p>
           <a:p>
             <a:pPr>
               <a:lnSpc>
                 <a:spcPct val="100000"/>
               </a:lnSpc>
             </a:pPr>
-            <a:r>
-              <a:rPr lang="fr-FR" sz="1800" b="1" i="0" dirty="0">
-                <a:solidFill>
-                  <a:srgbClr val="44546A"/>
-                </a:solidFill>
-                <a:effectLst/>
-              </a:rPr>
-              <a:t>Problématiques actuelles de gestion de tâches</a:t>
-            </a:r>
-          </a:p>
-          <a:p>
-            <a:pPr>
-              <a:lnSpc>
-                <a:spcPct val="100000"/>
-              </a:lnSpc>
-            </a:pPr>
-            <a:r>
-              <a:rPr lang="fr-FR" sz="1600" b="0" i="0" dirty="0">
-                <a:solidFill>
-                  <a:srgbClr val="44546A"/>
-                </a:solidFill>
-                <a:effectLst/>
-              </a:rPr>
-              <a:t>De nombreuses entreprises rencontrent des difficultés à coordonner efficacement leurs équipes, à suivre l’état d’avancement des tâches ou à garantir une communication fluide. La fragmentation des outils, le manque d’intégration, et l’absence de visibilité en temps réel compliquent la collaboration.</a:t>
-            </a:r>
-          </a:p>
-          <a:p>
-            <a:r>
-              <a:rPr lang="fr-FR" sz="1800" b="1" i="0" dirty="0">
-                <a:solidFill>
-                  <a:srgbClr val="44546A"/>
-                </a:solidFill>
-                <a:effectLst/>
-              </a:rPr>
-              <a:t>Exigences des utilisateurs multi-utilisateurs</a:t>
-            </a:r>
-          </a:p>
-          <a:p>
-            <a:pPr>
-              <a:lnSpc>
-                <a:spcPct val="100000"/>
-              </a:lnSpc>
-            </a:pPr>
-            <a:r>
-              <a:rPr lang="fr-FR" sz="1600" b="0" i="0" dirty="0">
-                <a:solidFill>
-                  <a:srgbClr val="44546A"/>
-                </a:solidFill>
-                <a:effectLst/>
-              </a:rPr>
-              <a:t>Les utilisateurs attendent une plateforme centralisée, accessible à tout moment, avec des fonctionnalités de gestion avancée, la possibilité de collaborer en temps réel, et des niveaux de permissions adaptés à leur rôle. La sécurité et la facilité d’utilisation restent également prioritaires.</a:t>
-            </a:r>
-          </a:p>
-          <a:p>
-            <a:r>
-              <a:rPr lang="fr-FR" sz="1800" b="1" i="0" dirty="0">
-                <a:solidFill>
-                  <a:srgbClr val="44546A"/>
-                </a:solidFill>
-                <a:effectLst/>
-              </a:rPr>
-              <a:t>Enjeux de collaboration efficace</a:t>
-            </a:r>
-          </a:p>
-          <a:p>
-            <a:pPr>
-              <a:lnSpc>
-                <a:spcPct val="100000"/>
-              </a:lnSpc>
-            </a:pPr>
-            <a:r>
-              <a:rPr lang="fr-FR" sz="1600" b="0" i="0" dirty="0">
-                <a:solidFill>
-                  <a:srgbClr val="44546A"/>
-                </a:solidFill>
-                <a:effectLst/>
-              </a:rPr>
-              <a:t>Faciliter la communication, garantir la traçabilité des actions, et permettre une gestion flexible des responsabilités sont essentiels pour permettre aux équipes de travailler de façon harmonieuse. Une solution performante doit aussi s’adapter aux évolutions rapides des projets et des équipes.</a:t>
-            </a:r>
-            <a:r>
-              <a:rPr lang="fr-FR" sz="1600" dirty="0"/>
-              <a:t> </a:t>
-            </a:r>
             <a:br>
               <a:rPr lang="fr-FR" sz="1600" dirty="0"/>
             </a:br>
@@ -17472,8 +19059,8 @@
         </p:nvSpPr>
         <p:spPr>
           <a:xfrm>
-            <a:off x="838200" y="1680806"/>
-            <a:ext cx="10517401" cy="4356100"/>
+            <a:off x="2921876" y="2217682"/>
+            <a:ext cx="8433725" cy="3819223"/>
           </a:xfrm>
         </p:spPr>
         <p:txBody>
@@ -17481,12 +19068,78 @@
             <a:normAutofit/>
           </a:bodyPr>
           <a:lstStyle/>
+          <a:p>
+            <a:pPr marL="285750" indent="-285750">
+              <a:lnSpc>
+                <a:spcPct val="100000"/>
+              </a:lnSpc>
+              <a:buFontTx/>
+              <a:buChar char="-"/>
+            </a:pPr>
+            <a:r>
+              <a:rPr lang="fr-FR" sz="1800" b="1" i="0" dirty="0">
+                <a:solidFill>
+                  <a:srgbClr val="44546A"/>
+                </a:solidFill>
+                <a:effectLst/>
+              </a:rPr>
+              <a:t>Structure backend avec Symfony</a:t>
+            </a:r>
+          </a:p>
+          <a:p>
+            <a:pPr marL="285750" indent="-285750">
+              <a:lnSpc>
+                <a:spcPct val="100000"/>
+              </a:lnSpc>
+              <a:buFontTx/>
+              <a:buChar char="-"/>
+            </a:pPr>
+            <a:endParaRPr lang="fr-FR" sz="1800" b="1" i="0" dirty="0">
+              <a:solidFill>
+                <a:srgbClr val="44546A"/>
+              </a:solidFill>
+              <a:effectLst/>
+            </a:endParaRPr>
+          </a:p>
+          <a:p>
+            <a:pPr marL="285750" indent="-285750">
+              <a:lnSpc>
+                <a:spcPct val="100000"/>
+              </a:lnSpc>
+              <a:buFontTx/>
+              <a:buChar char="-"/>
+            </a:pPr>
+            <a:r>
+              <a:rPr lang="fr-FR" sz="1800" b="1" i="0" dirty="0">
+                <a:solidFill>
+                  <a:srgbClr val="44546A"/>
+                </a:solidFill>
+                <a:effectLst/>
+              </a:rPr>
+              <a:t>Gestion multi-utilisateurs et permissions</a:t>
+            </a:r>
+          </a:p>
           <a:p>
             <a:pPr>
               <a:lnSpc>
                 <a:spcPct val="100000"/>
               </a:lnSpc>
             </a:pPr>
+            <a:endParaRPr lang="fr-FR" sz="1800" b="1" i="0" dirty="0">
+              <a:solidFill>
+                <a:srgbClr val="44546A"/>
+              </a:solidFill>
+              <a:effectLst/>
+            </a:endParaRPr>
+          </a:p>
+          <a:p>
+            <a:pPr marL="285750" indent="-285750">
+              <a:lnSpc>
+                <a:spcPct val="100000"/>
+              </a:lnSpc>
+              <a:buFontTx/>
+              <a:buChar char="-"/>
+            </a:pPr>
             <a:r>
               <a:rPr lang="fr-FR" sz="1800" b="1" i="0" dirty="0">
                 <a:solidFill>
@@ -17494,7 +19147,7 @@
                 </a:solidFill>
                 <a:effectLst/>
               </a:rPr>
-              <a:t>Structure backend avec Symfony</a:t>
+              <a:t>Intégration avec une base de données</a:t>
             </a:r>
           </a:p>
           <a:p>
@@ -17503,131 +19156,6 @@
                 <a:spcPct val="100000"/>
               </a:lnSpc>
             </a:pPr>
-            <a:r>
-              <a:rPr lang="fr-FR" sz="1600" b="0" i="0" dirty="0">
-                <a:solidFill>
-                  <a:srgbClr val="44546A"/>
-                </a:solidFill>
-                <a:effectLst/>
-              </a:rPr>
-              <a:t>L’application repose sur le </a:t>
-            </a:r>
-            <a:r>
-              <a:rPr lang="fr-FR" sz="1600" b="0" i="0" dirty="0" err="1">
-                <a:solidFill>
-                  <a:srgbClr val="44546A"/>
-                </a:solidFill>
-                <a:effectLst/>
-              </a:rPr>
-              <a:t>framework</a:t>
-            </a:r>
-            <a:r>
-              <a:rPr lang="fr-FR" sz="1600" b="0" i="0" dirty="0">
-                <a:solidFill>
-                  <a:srgbClr val="44546A"/>
-                </a:solidFill>
-                <a:effectLst/>
-              </a:rPr>
-              <a:t> Symfony, qui offre une base solide et modulable pour développer une architecture structurée et maintenable. Symfony facilite la gestion des routes, des contrôleurs, et des services pour une logique métier claire et cohérente.</a:t>
-            </a:r>
-          </a:p>
-          <a:p>
-            <a:pPr>
-              <a:lnSpc>
-                <a:spcPct val="100000"/>
-              </a:lnSpc>
-            </a:pPr>
-            <a:endParaRPr lang="fr-FR" sz="1600" b="0" i="0" dirty="0">
-              <a:solidFill>
-                <a:srgbClr val="44546A"/>
-              </a:solidFill>
-              <a:effectLst/>
-            </a:endParaRPr>
-          </a:p>
-          <a:p>
-            <a:pPr>
-              <a:lnSpc>
-                <a:spcPct val="100000"/>
-              </a:lnSpc>
-            </a:pPr>
-            <a:r>
-              <a:rPr lang="fr-FR" sz="1800" b="1" i="0" dirty="0">
-                <a:solidFill>
-                  <a:srgbClr val="44546A"/>
-                </a:solidFill>
-                <a:effectLst/>
-              </a:rPr>
-              <a:t>Gestion multi-utilisateurs et permissions</a:t>
-            </a:r>
-          </a:p>
-          <a:p>
-            <a:pPr>
-              <a:lnSpc>
-                <a:spcPct val="100000"/>
-              </a:lnSpc>
-            </a:pPr>
-            <a:r>
-              <a:rPr lang="fr-FR" sz="1600" b="0" i="0" dirty="0">
-                <a:solidFill>
-                  <a:srgbClr val="44546A"/>
-                </a:solidFill>
-                <a:effectLst/>
-              </a:rPr>
-              <a:t>Le système intègre un modèle d’authentification robuste, avec des rôles et permissions différenciés, permettant de contrôler finement l’accès aux différentes fonctionnalités et données selon le profil de chaque utilisateur.</a:t>
-            </a:r>
-          </a:p>
-          <a:p>
-            <a:pPr>
-              <a:lnSpc>
-                <a:spcPct val="100000"/>
-              </a:lnSpc>
-            </a:pPr>
-            <a:endParaRPr lang="fr-FR" sz="1600" b="0" i="0" dirty="0">
-              <a:solidFill>
-                <a:srgbClr val="44546A"/>
-              </a:solidFill>
-              <a:effectLst/>
-            </a:endParaRPr>
-          </a:p>
-          <a:p>
-            <a:pPr>
-              <a:lnSpc>
-                <a:spcPct val="100000"/>
-              </a:lnSpc>
-            </a:pPr>
-            <a:r>
-              <a:rPr lang="fr-FR" sz="1800" b="1" i="0" dirty="0">
-                <a:solidFill>
-                  <a:srgbClr val="44546A"/>
-                </a:solidFill>
-                <a:effectLst/>
-              </a:rPr>
-              <a:t>Intégration avec une base de données</a:t>
-            </a:r>
-          </a:p>
-          <a:p>
-            <a:pPr>
-              <a:lnSpc>
-                <a:spcPct val="100000"/>
-              </a:lnSpc>
-            </a:pPr>
-            <a:r>
-              <a:rPr lang="fr-FR" sz="1600" b="0" i="0" dirty="0">
-                <a:solidFill>
-                  <a:srgbClr val="44546A"/>
-                </a:solidFill>
-                <a:effectLst/>
-              </a:rPr>
-              <a:t>L’application exploite une base de données relationnelle, telle que MySQL, pour stocker de façon sécurisée tous les élément liés aux utilisateurs, tâches, projets et droits. La conception de la base favorise l’intégrité, la rapidité d’accès, et la flexibilité</a:t>
-            </a:r>
-            <a:r>
-              <a:rPr lang="fr-FR" sz="1600" dirty="0">
-                <a:solidFill>
-                  <a:srgbClr val="44546A"/>
-                </a:solidFill>
-              </a:rPr>
-              <a:t>.</a:t>
-            </a:r>
             <a:br>
               <a:rPr lang="fr-FR" sz="1600" dirty="0"/>
             </a:br>
@@ -17685,13 +19213,13 @@
           </p:nvPr>
         </p:nvPicPr>
         <p:blipFill>
-          <a:blip r:embed="rId2"/>
+          <a:blip r:embed="rId3"/>
           <a:srcRect r="1668"/>
           <a:stretch/>
         </p:blipFill>
         <p:spPr>
           <a:xfrm>
-            <a:off x="416560" y="1825625"/>
+            <a:off x="563705" y="1830386"/>
             <a:ext cx="3434080" cy="4351338"/>
           </a:xfrm>
         </p:spPr>
@@ -17767,115 +19295,98 @@
             <p:ph idx="14"/>
           </p:nvPr>
         </p:nvSpPr>
-        <p:spPr/>
+        <p:spPr>
+          <a:xfrm>
+            <a:off x="5118538" y="2364827"/>
+            <a:ext cx="6235261" cy="3816897"/>
+          </a:xfrm>
+        </p:spPr>
         <p:txBody>
           <a:bodyPr>
             <a:noAutofit/>
           </a:bodyPr>
           <a:lstStyle/>
+          <a:p>
+            <a:pPr marL="285750" indent="-285750">
+              <a:lnSpc>
+                <a:spcPct val="120000"/>
+              </a:lnSpc>
+              <a:buFontTx/>
+              <a:buChar char="-"/>
+            </a:pPr>
+            <a:r>
+              <a:rPr lang="fr-FR" sz="1800" b="1" i="0" dirty="0">
+                <a:solidFill>
+                  <a:srgbClr val="44546A"/>
+                </a:solidFill>
+                <a:effectLst/>
+              </a:rPr>
+              <a:t>Entités principales : Utilisateur, Tâche, Projet</a:t>
+            </a:r>
+          </a:p>
+          <a:p>
+            <a:pPr marL="285750" indent="-285750">
+              <a:lnSpc>
+                <a:spcPct val="120000"/>
+              </a:lnSpc>
+              <a:buFontTx/>
+              <a:buChar char="-"/>
+            </a:pPr>
+            <a:endParaRPr lang="fr-FR" sz="1800" b="1" i="0" dirty="0">
+              <a:solidFill>
+                <a:srgbClr val="44546A"/>
+              </a:solidFill>
+              <a:effectLst/>
+            </a:endParaRPr>
+          </a:p>
+          <a:p>
+            <a:pPr marL="285750" indent="-285750">
+              <a:lnSpc>
+                <a:spcPct val="120000"/>
+              </a:lnSpc>
+              <a:buFontTx/>
+              <a:buChar char="-"/>
+            </a:pPr>
+            <a:r>
+              <a:rPr lang="fr-FR" sz="1800" b="1" i="0" dirty="0">
+                <a:solidFill>
+                  <a:srgbClr val="44546A"/>
+                </a:solidFill>
+                <a:effectLst/>
+              </a:rPr>
+              <a:t>Relations entre entités</a:t>
+            </a:r>
+          </a:p>
           <a:p>
             <a:pPr>
               <a:lnSpc>
                 <a:spcPct val="120000"/>
               </a:lnSpc>
             </a:pPr>
-            <a:r>
-              <a:rPr lang="fr-FR" sz="1800" b="1" i="0" dirty="0">
-                <a:solidFill>
-                  <a:srgbClr val="44546A"/>
-                </a:solidFill>
-                <a:effectLst/>
-              </a:rPr>
-              <a:t>Entités principales : Utilisateur, Tâche, Projet</a:t>
-            </a:r>
-          </a:p>
-          <a:p>
-            <a:pPr>
+            <a:endParaRPr lang="fr-FR" sz="1800" b="1" i="0" dirty="0">
+              <a:solidFill>
+                <a:srgbClr val="44546A"/>
+              </a:solidFill>
+              <a:effectLst/>
+            </a:endParaRPr>
+          </a:p>
+          <a:p>
+            <a:pPr marL="285750" indent="-285750">
               <a:lnSpc>
                 <a:spcPct val="120000"/>
               </a:lnSpc>
+              <a:buFontTx/>
+              <a:buChar char="-"/>
             </a:pPr>
             <a:r>
-              <a:rPr lang="fr-FR" sz="1600" b="0" i="0" dirty="0">
+              <a:rPr lang="fr-FR" sz="1800" b="1" i="0" dirty="0">
                 <a:solidFill>
                   <a:srgbClr val="44546A"/>
                 </a:solidFill>
                 <a:effectLst/>
               </a:rPr>
-              <a:t>Le modèle de données repose sur trois entités fondamentales : l’utilisateur, qui représente chaque membre de l’équipe ; la tâche, qui détaille les actions à réaliser ; et le projet, pour organiser les tâches en regroupements logiques et stratégiques.</a:t>
-            </a:r>
-          </a:p>
-          <a:p>
-            <a:pPr>
-              <a:lnSpc>
-                <a:spcPct val="120000"/>
-              </a:lnSpc>
-            </a:pPr>
-            <a:r>
-              <a:rPr lang="fr-FR" sz="1800" b="1" i="0" dirty="0">
-                <a:solidFill>
-                  <a:srgbClr val="44546A"/>
-                </a:solidFill>
-                <a:effectLst/>
-              </a:rPr>
-              <a:t>Relations entre entités</a:t>
-            </a:r>
-          </a:p>
-          <a:p>
-            <a:pPr>
-              <a:lnSpc>
-                <a:spcPct val="120000"/>
-              </a:lnSpc>
-            </a:pPr>
-            <a:r>
-              <a:rPr lang="fr-FR" sz="1600" b="0" i="0" dirty="0">
-                <a:solidFill>
-                  <a:srgbClr val="44546A"/>
-                </a:solidFill>
-                <a:effectLst/>
-              </a:rPr>
-              <a:t>Les utilisateurs peuvent appartenir à plusieurs projets et se voir attribuer plusieurs tâches. Chaque tâche est liée à un seul projet, mais peut être assignée à un ou plusieurs utilisateurs. Ces relations assurent une gestion souple et cohérente des responsabilités.</a:t>
-            </a:r>
-          </a:p>
-          <a:p>
-            <a:pPr>
-              <a:lnSpc>
-                <a:spcPct val="120000"/>
-              </a:lnSpc>
-            </a:pPr>
-            <a:r>
-              <a:rPr lang="fr-FR" sz="1800" b="1" i="0" dirty="0">
-                <a:solidFill>
-                  <a:srgbClr val="44546A"/>
-                </a:solidFill>
-                <a:effectLst/>
-              </a:rPr>
               <a:t>Sécurité et contrôle d’accès</a:t>
             </a:r>
-          </a:p>
-          <a:p>
-            <a:pPr>
-              <a:lnSpc>
-                <a:spcPct val="120000"/>
-              </a:lnSpc>
-            </a:pPr>
-            <a:r>
-              <a:rPr lang="fr-FR" sz="1600" b="0" i="0" dirty="0">
-                <a:solidFill>
-                  <a:srgbClr val="44546A"/>
-                </a:solidFill>
-                <a:effectLst/>
-              </a:rPr>
-              <a:t>Le système incorpore des mécanismes avancés pour gérer la sécurité, notamment via des contrôles d’accès basés sur les rôles (RBAC), garantissant que chaque utilisateur ne puisse accéder qu’aux données et fonctionnalités correspondant à son niveau de droits.</a:t>
-            </a:r>
-            <a:r>
-              <a:rPr lang="fr-FR" sz="1600" dirty="0"/>
-              <a:t> </a:t>
-            </a:r>
-            <a:br>
-              <a:rPr lang="fr-FR" sz="1600" dirty="0"/>
-            </a:br>
-            <a:endParaRPr lang="en-US" sz="1600" dirty="0"/>
           </a:p>
         </p:txBody>
       </p:sp>
@@ -17983,18 +19494,89 @@
             <p:ph idx="14"/>
           </p:nvPr>
         </p:nvSpPr>
-        <p:spPr/>
+        <p:spPr>
+          <a:xfrm>
+            <a:off x="5412828" y="2511971"/>
+            <a:ext cx="5940971" cy="3669753"/>
+          </a:xfrm>
+        </p:spPr>
         <p:txBody>
           <a:bodyPr>
             <a:noAutofit/>
           </a:bodyPr>
           <a:lstStyle/>
+          <a:p>
+            <a:pPr marL="285750" indent="-285750">
+              <a:lnSpc>
+                <a:spcPct val="100000"/>
+              </a:lnSpc>
+              <a:buFontTx/>
+              <a:buChar char="-"/>
+            </a:pPr>
+            <a:r>
+              <a:rPr lang="fr-FR" sz="1800" b="1" i="0" dirty="0">
+                <a:solidFill>
+                  <a:srgbClr val="44546A"/>
+                </a:solidFill>
+                <a:effectLst/>
+              </a:rPr>
+              <a:t>Création et gestion de tâches</a:t>
+            </a:r>
+          </a:p>
+          <a:p>
+            <a:pPr marL="285750" indent="-285750">
+              <a:lnSpc>
+                <a:spcPct val="100000"/>
+              </a:lnSpc>
+              <a:buFontTx/>
+              <a:buChar char="-"/>
+            </a:pPr>
+            <a:endParaRPr lang="fr-FR" sz="1800" b="1" i="0" dirty="0">
+              <a:solidFill>
+                <a:srgbClr val="44546A"/>
+              </a:solidFill>
+              <a:effectLst/>
+            </a:endParaRPr>
+          </a:p>
+          <a:p>
+            <a:pPr marL="285750" indent="-285750">
+              <a:lnSpc>
+                <a:spcPct val="100000"/>
+              </a:lnSpc>
+              <a:buFontTx/>
+              <a:buChar char="-"/>
+            </a:pPr>
+            <a:r>
+              <a:rPr lang="fr-FR" sz="1800" b="1" i="0" dirty="0">
+                <a:solidFill>
+                  <a:srgbClr val="44546A"/>
+                </a:solidFill>
+                <a:effectLst/>
+              </a:rPr>
+              <a:t>Attribution de tâches aux utilisateurs</a:t>
+            </a:r>
+          </a:p>
           <a:p>
             <a:pPr>
               <a:lnSpc>
                 <a:spcPct val="100000"/>
               </a:lnSpc>
             </a:pPr>
+            <a:endParaRPr lang="fr-FR" sz="1800" b="1" i="0" dirty="0">
+              <a:solidFill>
+                <a:srgbClr val="44546A"/>
+              </a:solidFill>
+              <a:effectLst/>
+            </a:endParaRPr>
+          </a:p>
+          <a:p>
+            <a:pPr marL="285750" indent="-285750">
+              <a:lnSpc>
+                <a:spcPct val="100000"/>
+              </a:lnSpc>
+              <a:buFontTx/>
+              <a:buChar char="-"/>
+            </a:pPr>
             <a:r>
               <a:rPr lang="fr-FR" sz="1800" b="1" i="0" dirty="0">
                 <a:solidFill>
@@ -18002,7 +19584,7 @@
                 </a:solidFill>
                 <a:effectLst/>
               </a:rPr>
-              <a:t>Création et gestion de tâches</a:t>
+              <a:t>Définition de délais et priorités</a:t>
             </a:r>
           </a:p>
           <a:p>
@@ -18011,83 +19593,6 @@
                 <a:spcPct val="100000"/>
               </a:lnSpc>
             </a:pPr>
-            <a:r>
-              <a:rPr lang="fr-FR" sz="1600" b="0" i="0" dirty="0">
-                <a:solidFill>
-                  <a:srgbClr val="44546A"/>
-                </a:solidFill>
-                <a:effectLst/>
-              </a:rPr>
-              <a:t>Les utilisateurs peuvent facilement créer de nouvelles tâches, leur attribuer des détails précis, fixer des échéances, et suivre leur progression. La gestion permet aussi de modifier ou supprimer des tâches si nécessaire.</a:t>
-            </a:r>
-          </a:p>
-          <a:p>
-            <a:pPr>
-              <a:lnSpc>
-                <a:spcPct val="100000"/>
-              </a:lnSpc>
-            </a:pPr>
-            <a:r>
-              <a:rPr lang="fr-FR" sz="1800" b="1" i="0" dirty="0">
-                <a:solidFill>
-                  <a:srgbClr val="44546A"/>
-                </a:solidFill>
-                <a:effectLst/>
-              </a:rPr>
-              <a:t>Attribution de tâches aux utilisateurs</a:t>
-            </a:r>
-          </a:p>
-          <a:p>
-            <a:pPr>
-              <a:lnSpc>
-                <a:spcPct val="100000"/>
-              </a:lnSpc>
-            </a:pPr>
-            <a:r>
-              <a:rPr lang="fr-FR" sz="1600" b="0" i="0" dirty="0">
-                <a:solidFill>
-                  <a:srgbClr val="44546A"/>
-                </a:solidFill>
-                <a:effectLst/>
-              </a:rPr>
-              <a:t>L’application permet d’assigner chaque tâche à un ou plusieurs utilisateurs, favorisant une distribution claire des responsabilités. Des notifications automatiques notifient les membres concernés des nouvelles attributions ou des modifications.</a:t>
-            </a:r>
-          </a:p>
-          <a:p>
-            <a:pPr>
-              <a:lnSpc>
-                <a:spcPct val="100000"/>
-              </a:lnSpc>
-            </a:pPr>
-            <a:r>
-              <a:rPr lang="fr-FR" sz="1800" b="1" i="0" dirty="0">
-                <a:solidFill>
-                  <a:srgbClr val="44546A"/>
-                </a:solidFill>
-                <a:effectLst/>
-              </a:rPr>
-              <a:t>Définition de délais et priorités</a:t>
-            </a:r>
-          </a:p>
-          <a:p>
-            <a:pPr>
-              <a:lnSpc>
-                <a:spcPct val="100000"/>
-              </a:lnSpc>
-            </a:pPr>
-            <a:r>
-              <a:rPr lang="fr-FR" sz="1600" b="0" i="0" dirty="0">
-                <a:solidFill>
-                  <a:srgbClr val="44546A"/>
-                </a:solidFill>
-                <a:effectLst/>
-              </a:rPr>
-              <a:t>Pour assurer une organisation efficace, chaque tâche peut se voir attribuer une date limite ainsi qu’une priorité, facilitant la planification et la différenciation des actions selon leur urgence ou importance.</a:t>
-            </a:r>
-            <a:r>
-              <a:rPr lang="fr-FR" sz="1600" dirty="0"/>
-              <a:t> </a:t>
-            </a:r>
             <a:br>
               <a:rPr lang="fr-FR" sz="1600" dirty="0"/>
             </a:br>
@@ -18112,7 +19617,7 @@
           </p:nvPr>
         </p:nvPicPr>
         <p:blipFill>
-          <a:blip r:embed="rId2"/>
+          <a:blip r:embed="rId3"/>
           <a:srcRect l="1" r="-41"/>
           <a:stretch/>
         </p:blipFill>
@@ -18243,8 +19748,8 @@
         </p:nvSpPr>
         <p:spPr>
           <a:xfrm>
-            <a:off x="5207432" y="1776413"/>
-            <a:ext cx="6146368" cy="3852227"/>
+            <a:off x="6096000" y="2291255"/>
+            <a:ext cx="5257800" cy="3337385"/>
           </a:xfrm>
         </p:spPr>
         <p:txBody>
@@ -18252,12 +19757,82 @@
             <a:noAutofit/>
           </a:bodyPr>
           <a:lstStyle/>
+          <a:p>
+            <a:pPr marL="285750" indent="-285750">
+              <a:lnSpc>
+                <a:spcPct val="100000"/>
+              </a:lnSpc>
+              <a:buFontTx/>
+              <a:buChar char="-"/>
+            </a:pPr>
+            <a:r>
+              <a:rPr lang="fr-FR" sz="1800" b="1" i="0" dirty="0">
+                <a:solidFill>
+                  <a:srgbClr val="44546A"/>
+                </a:solidFill>
+                <a:effectLst/>
+                <a:latin typeface="+mn-lt"/>
+              </a:rPr>
+              <a:t>Vue d’ensemble des projets</a:t>
+            </a:r>
+          </a:p>
+          <a:p>
+            <a:pPr marL="285750" indent="-285750">
+              <a:lnSpc>
+                <a:spcPct val="100000"/>
+              </a:lnSpc>
+              <a:buFontTx/>
+              <a:buChar char="-"/>
+            </a:pPr>
+            <a:endParaRPr lang="fr-FR" sz="1800" b="1" i="0" dirty="0">
+              <a:solidFill>
+                <a:srgbClr val="44546A"/>
+              </a:solidFill>
+              <a:effectLst/>
+              <a:latin typeface="+mn-lt"/>
+            </a:endParaRPr>
+          </a:p>
+          <a:p>
+            <a:pPr marL="285750" indent="-285750">
+              <a:lnSpc>
+                <a:spcPct val="100000"/>
+              </a:lnSpc>
+              <a:buFontTx/>
+              <a:buChar char="-"/>
+            </a:pPr>
+            <a:r>
+              <a:rPr lang="fr-FR" sz="1800" b="1" i="0" dirty="0">
+                <a:solidFill>
+                  <a:srgbClr val="44546A"/>
+                </a:solidFill>
+                <a:effectLst/>
+                <a:latin typeface="+mn-lt"/>
+              </a:rPr>
+              <a:t>Filtrage et recherche de tâches</a:t>
+            </a:r>
+          </a:p>
           <a:p>
             <a:pPr>
               <a:lnSpc>
                 <a:spcPct val="100000"/>
               </a:lnSpc>
             </a:pPr>
+            <a:endParaRPr lang="fr-FR" sz="1800" b="1" i="0" dirty="0">
+              <a:solidFill>
+                <a:srgbClr val="44546A"/>
+              </a:solidFill>
+              <a:effectLst/>
+              <a:latin typeface="+mn-lt"/>
+            </a:endParaRPr>
+          </a:p>
+          <a:p>
+            <a:pPr marL="285750" indent="-285750">
+              <a:lnSpc>
+                <a:spcPct val="100000"/>
+              </a:lnSpc>
+              <a:buFontTx/>
+              <a:buChar char="-"/>
+            </a:pPr>
             <a:r>
               <a:rPr lang="fr-FR" sz="1800" b="1" i="0" dirty="0">
                 <a:solidFill>
@@ -18266,7 +19841,7 @@
                 <a:effectLst/>
                 <a:latin typeface="+mn-lt"/>
               </a:rPr>
-              <a:t>Vue d’ensemble des projets</a:t>
+              <a:t>Notifications et alertes</a:t>
             </a:r>
           </a:p>
           <a:p>
@@ -18275,90 +19850,6 @@
                 <a:spcPct val="100000"/>
               </a:lnSpc>
             </a:pPr>
-            <a:r>
-              <a:rPr lang="fr-FR" b="0" i="0" dirty="0">
-                <a:solidFill>
-                  <a:srgbClr val="44546A"/>
-                </a:solidFill>
-                <a:effectLst/>
-                <a:latin typeface="+mn-lt"/>
-              </a:rPr>
-              <a:t>L’interface offre une vue globale permettant aux utilisateurs de visualiser tous les projets en cours, d’accéder rapidement aux tâches associées, et de suivre l’état d’avancement global de chaque projet.</a:t>
-            </a:r>
-          </a:p>
-          <a:p>
-            <a:pPr>
-              <a:lnSpc>
-                <a:spcPct val="100000"/>
-              </a:lnSpc>
-            </a:pPr>
-            <a:r>
-              <a:rPr lang="fr-FR" sz="1800" b="1" i="0" dirty="0">
-                <a:solidFill>
-                  <a:srgbClr val="44546A"/>
-                </a:solidFill>
-                <a:effectLst/>
-                <a:latin typeface="+mn-lt"/>
-              </a:rPr>
-              <a:t>Filtrage et recherche de tâches</a:t>
-            </a:r>
-          </a:p>
-          <a:p>
-            <a:pPr>
-              <a:lnSpc>
-                <a:spcPct val="100000"/>
-              </a:lnSpc>
-            </a:pPr>
-            <a:r>
-              <a:rPr lang="fr-FR" b="0" i="0" dirty="0">
-                <a:solidFill>
-                  <a:srgbClr val="44546A"/>
-                </a:solidFill>
-                <a:effectLst/>
-                <a:latin typeface="+mn-lt"/>
-              </a:rPr>
-              <a:t>Pour gagner en efficacité, l’application intègre des fonctionnalités avancées de filtrage et de recherche, permettant de retrouver rapidement une tâche spécifique selon plusieurs critères (priorité, statut).</a:t>
-            </a:r>
-          </a:p>
-          <a:p>
-            <a:pPr>
-              <a:lnSpc>
-                <a:spcPct val="100000"/>
-              </a:lnSpc>
-            </a:pPr>
-            <a:r>
-              <a:rPr lang="fr-FR" sz="1800" b="1" i="0" dirty="0">
-                <a:solidFill>
-                  <a:srgbClr val="44546A"/>
-                </a:solidFill>
-                <a:effectLst/>
-                <a:latin typeface="+mn-lt"/>
-              </a:rPr>
-              <a:t>Notifications et alertes</a:t>
-            </a:r>
-          </a:p>
-          <a:p>
-            <a:pPr>
-              <a:lnSpc>
-                <a:spcPct val="100000"/>
-              </a:lnSpc>
-            </a:pPr>
-            <a:r>
-              <a:rPr lang="fr-FR" b="0" i="0" dirty="0">
-                <a:solidFill>
-                  <a:srgbClr val="44546A"/>
-                </a:solidFill>
-                <a:effectLst/>
-                <a:latin typeface="+mn-lt"/>
-              </a:rPr>
-              <a:t>Un système de notifications en temps réel informe les utilisateurs des changements importants, échéances proches ou nouvelles assignations, améliorant la réactivité et la collaboration.</a:t>
-            </a:r>
-            <a:r>
-              <a:rPr lang="fr-FR" dirty="0">
-                <a:latin typeface="+mn-lt"/>
-              </a:rPr>
-              <a:t> </a:t>
-            </a:r>
             <a:br>
               <a:rPr lang="fr-FR" dirty="0">
                 <a:latin typeface="+mn-lt"/>
@@ -18385,7 +19876,7 @@
           <p:nvPr/>
         </p:nvPicPr>
         <p:blipFill>
-          <a:blip r:embed="rId2"/>
+          <a:blip r:embed="rId3"/>
           <a:stretch>
             <a:fillRect/>
           </a:stretch>
@@ -18532,6 +20023,9 @@
   <p:clrMapOvr>
     <a:masterClrMapping/>
   </p:clrMapOvr>
+  <p:transition spd="slow">
+    <p:push dir="u"/>
+  </p:transition>
 </p:sld>
 </file>
 
